--- a/classes/CS579/dbclass/hw3-2c.pptx
+++ b/classes/CS579/dbclass/hw3-2c.pptx
@@ -7,7 +7,6 @@
   <p:sldIdLst>
     <p:sldId id="256" r:id="rId2"/>
     <p:sldId id="257" r:id="rId3"/>
-    <p:sldId id="258" r:id="rId4"/>
   </p:sldIdLst>
   <p:sldSz cx="9144000" cy="6858000" type="screen4x3"/>
   <p:notesSz cx="6858000" cy="9144000"/>
@@ -15,122 +14,92 @@
     <a:defPPr>
       <a:defRPr lang="en-US"/>
     </a:defPPr>
-    <a:lvl1pPr algn="l" rtl="0" fontAlgn="base">
-      <a:spcBef>
-        <a:spcPct val="0"/>
-      </a:spcBef>
-      <a:spcAft>
-        <a:spcPct val="0"/>
-      </a:spcAft>
-      <a:defRPr kern="1200">
+    <a:lvl1pPr marL="0" algn="l" defTabSz="914400" rtl="0" eaLnBrk="1" latinLnBrk="0" hangingPunct="1">
+      <a:defRPr sz="1800" kern="1200">
         <a:solidFill>
           <a:schemeClr val="tx1"/>
         </a:solidFill>
-        <a:latin typeface="Arial" charset="0"/>
+        <a:latin typeface="+mn-lt"/>
         <a:ea typeface="+mn-ea"/>
         <a:cs typeface="+mn-cs"/>
       </a:defRPr>
     </a:lvl1pPr>
-    <a:lvl2pPr marL="457200" algn="l" rtl="0" fontAlgn="base">
-      <a:spcBef>
-        <a:spcPct val="0"/>
-      </a:spcBef>
-      <a:spcAft>
-        <a:spcPct val="0"/>
-      </a:spcAft>
-      <a:defRPr kern="1200">
+    <a:lvl2pPr marL="457200" algn="l" defTabSz="914400" rtl="0" eaLnBrk="1" latinLnBrk="0" hangingPunct="1">
+      <a:defRPr sz="1800" kern="1200">
         <a:solidFill>
           <a:schemeClr val="tx1"/>
         </a:solidFill>
-        <a:latin typeface="Arial" charset="0"/>
+        <a:latin typeface="+mn-lt"/>
         <a:ea typeface="+mn-ea"/>
         <a:cs typeface="+mn-cs"/>
       </a:defRPr>
     </a:lvl2pPr>
-    <a:lvl3pPr marL="914400" algn="l" rtl="0" fontAlgn="base">
-      <a:spcBef>
-        <a:spcPct val="0"/>
-      </a:spcBef>
-      <a:spcAft>
-        <a:spcPct val="0"/>
-      </a:spcAft>
-      <a:defRPr kern="1200">
+    <a:lvl3pPr marL="914400" algn="l" defTabSz="914400" rtl="0" eaLnBrk="1" latinLnBrk="0" hangingPunct="1">
+      <a:defRPr sz="1800" kern="1200">
         <a:solidFill>
           <a:schemeClr val="tx1"/>
         </a:solidFill>
-        <a:latin typeface="Arial" charset="0"/>
+        <a:latin typeface="+mn-lt"/>
         <a:ea typeface="+mn-ea"/>
         <a:cs typeface="+mn-cs"/>
       </a:defRPr>
     </a:lvl3pPr>
-    <a:lvl4pPr marL="1371600" algn="l" rtl="0" fontAlgn="base">
-      <a:spcBef>
-        <a:spcPct val="0"/>
-      </a:spcBef>
-      <a:spcAft>
-        <a:spcPct val="0"/>
-      </a:spcAft>
-      <a:defRPr kern="1200">
+    <a:lvl4pPr marL="1371600" algn="l" defTabSz="914400" rtl="0" eaLnBrk="1" latinLnBrk="0" hangingPunct="1">
+      <a:defRPr sz="1800" kern="1200">
         <a:solidFill>
           <a:schemeClr val="tx1"/>
         </a:solidFill>
-        <a:latin typeface="Arial" charset="0"/>
+        <a:latin typeface="+mn-lt"/>
         <a:ea typeface="+mn-ea"/>
         <a:cs typeface="+mn-cs"/>
       </a:defRPr>
     </a:lvl4pPr>
-    <a:lvl5pPr marL="1828800" algn="l" rtl="0" fontAlgn="base">
-      <a:spcBef>
-        <a:spcPct val="0"/>
-      </a:spcBef>
-      <a:spcAft>
-        <a:spcPct val="0"/>
-      </a:spcAft>
-      <a:defRPr kern="1200">
+    <a:lvl5pPr marL="1828800" algn="l" defTabSz="914400" rtl="0" eaLnBrk="1" latinLnBrk="0" hangingPunct="1">
+      <a:defRPr sz="1800" kern="1200">
         <a:solidFill>
           <a:schemeClr val="tx1"/>
         </a:solidFill>
-        <a:latin typeface="Arial" charset="0"/>
+        <a:latin typeface="+mn-lt"/>
         <a:ea typeface="+mn-ea"/>
         <a:cs typeface="+mn-cs"/>
       </a:defRPr>
     </a:lvl5pPr>
     <a:lvl6pPr marL="2286000" algn="l" defTabSz="914400" rtl="0" eaLnBrk="1" latinLnBrk="0" hangingPunct="1">
-      <a:defRPr kern="1200">
+      <a:defRPr sz="1800" kern="1200">
         <a:solidFill>
           <a:schemeClr val="tx1"/>
         </a:solidFill>
-        <a:latin typeface="Arial" charset="0"/>
+        <a:latin typeface="+mn-lt"/>
         <a:ea typeface="+mn-ea"/>
         <a:cs typeface="+mn-cs"/>
       </a:defRPr>
     </a:lvl6pPr>
     <a:lvl7pPr marL="2743200" algn="l" defTabSz="914400" rtl="0" eaLnBrk="1" latinLnBrk="0" hangingPunct="1">
-      <a:defRPr kern="1200">
+      <a:defRPr sz="1800" kern="1200">
         <a:solidFill>
           <a:schemeClr val="tx1"/>
         </a:solidFill>
-        <a:latin typeface="Arial" charset="0"/>
+        <a:latin typeface="+mn-lt"/>
         <a:ea typeface="+mn-ea"/>
         <a:cs typeface="+mn-cs"/>
       </a:defRPr>
     </a:lvl7pPr>
     <a:lvl8pPr marL="3200400" algn="l" defTabSz="914400" rtl="0" eaLnBrk="1" latinLnBrk="0" hangingPunct="1">
-      <a:defRPr kern="1200">
+      <a:defRPr sz="1800" kern="1200">
         <a:solidFill>
           <a:schemeClr val="tx1"/>
         </a:solidFill>
-        <a:latin typeface="Arial" charset="0"/>
+        <a:latin typeface="+mn-lt"/>
         <a:ea typeface="+mn-ea"/>
         <a:cs typeface="+mn-cs"/>
       </a:defRPr>
     </a:lvl8pPr>
     <a:lvl9pPr marL="3657600" algn="l" defTabSz="914400" rtl="0" eaLnBrk="1" latinLnBrk="0" hangingPunct="1">
-      <a:defRPr kern="1200">
+      <a:defRPr sz="1800" kern="1200">
         <a:solidFill>
           <a:schemeClr val="tx1"/>
         </a:solidFill>
-        <a:latin typeface="Arial" charset="0"/>
+        <a:latin typeface="+mn-lt"/>
         <a:ea typeface="+mn-ea"/>
         <a:cs typeface="+mn-cs"/>
       </a:defRPr>
@@ -316,21 +285,11 @@
         <p:spPr/>
         <p:txBody>
           <a:bodyPr/>
-          <a:lstStyle>
-            <a:lvl1pPr>
-              <a:defRPr/>
-            </a:lvl1pPr>
-          </a:lstStyle>
-          <a:p>
-            <a:pPr>
-              <a:defRPr/>
-            </a:pPr>
-            <a:fld id="{151F4603-1037-4C0B-B91E-F929257C20C5}" type="datetimeFigureOut">
-              <a:rPr lang="en-US"/>
-              <a:pPr>
-                <a:defRPr/>
-              </a:pPr>
-              <a:t>9/21/2009</a:t>
+          <a:lstStyle/>
+          <a:p>
+            <a:fld id="{735408CD-C373-4FC4-87E6-624C27AD4A6B}" type="datetimeFigureOut">
+              <a:rPr lang="en-US" smtClean="0"/>
+              <a:t>9/20/2009</a:t>
             </a:fld>
             <a:endParaRPr lang="en-US"/>
           </a:p>
@@ -349,15 +308,8 @@
         <p:spPr/>
         <p:txBody>
           <a:bodyPr/>
-          <a:lstStyle>
-            <a:lvl1pPr>
-              <a:defRPr/>
-            </a:lvl1pPr>
-          </a:lstStyle>
-          <a:p>
-            <a:pPr>
-              <a:defRPr/>
-            </a:pPr>
+          <a:lstStyle/>
+          <a:p>
             <a:endParaRPr lang="en-US"/>
           </a:p>
         </p:txBody>
@@ -375,20 +327,10 @@
         <p:spPr/>
         <p:txBody>
           <a:bodyPr/>
-          <a:lstStyle>
-            <a:lvl1pPr>
-              <a:defRPr/>
-            </a:lvl1pPr>
-          </a:lstStyle>
-          <a:p>
-            <a:pPr>
-              <a:defRPr/>
-            </a:pPr>
-            <a:fld id="{8206FEEB-C399-4693-A4EF-A1E3611D700D}" type="slidenum">
-              <a:rPr lang="en-US"/>
-              <a:pPr>
-                <a:defRPr/>
-              </a:pPr>
+          <a:lstStyle/>
+          <a:p>
+            <a:fld id="{D6490BF9-ACFE-4A2D-B2C4-E50A340BB111}" type="slidenum">
+              <a:rPr lang="en-US" smtClean="0"/>
               <a:t>‹#›</a:t>
             </a:fld>
             <a:endParaRPr lang="en-US"/>
@@ -508,21 +450,11 @@
         <p:spPr/>
         <p:txBody>
           <a:bodyPr/>
-          <a:lstStyle>
-            <a:lvl1pPr>
-              <a:defRPr/>
-            </a:lvl1pPr>
-          </a:lstStyle>
-          <a:p>
-            <a:pPr>
-              <a:defRPr/>
-            </a:pPr>
-            <a:fld id="{BBFC3921-8C85-4361-A2D1-6A5563E9759F}" type="datetimeFigureOut">
-              <a:rPr lang="en-US"/>
-              <a:pPr>
-                <a:defRPr/>
-              </a:pPr>
-              <a:t>9/21/2009</a:t>
+          <a:lstStyle/>
+          <a:p>
+            <a:fld id="{735408CD-C373-4FC4-87E6-624C27AD4A6B}" type="datetimeFigureOut">
+              <a:rPr lang="en-US" smtClean="0"/>
+              <a:t>9/20/2009</a:t>
             </a:fld>
             <a:endParaRPr lang="en-US"/>
           </a:p>
@@ -541,15 +473,8 @@
         <p:spPr/>
         <p:txBody>
           <a:bodyPr/>
-          <a:lstStyle>
-            <a:lvl1pPr>
-              <a:defRPr/>
-            </a:lvl1pPr>
-          </a:lstStyle>
-          <a:p>
-            <a:pPr>
-              <a:defRPr/>
-            </a:pPr>
+          <a:lstStyle/>
+          <a:p>
             <a:endParaRPr lang="en-US"/>
           </a:p>
         </p:txBody>
@@ -567,20 +492,10 @@
         <p:spPr/>
         <p:txBody>
           <a:bodyPr/>
-          <a:lstStyle>
-            <a:lvl1pPr>
-              <a:defRPr/>
-            </a:lvl1pPr>
-          </a:lstStyle>
-          <a:p>
-            <a:pPr>
-              <a:defRPr/>
-            </a:pPr>
-            <a:fld id="{2EFCAB13-4811-4480-A847-2C4302E82F53}" type="slidenum">
-              <a:rPr lang="en-US"/>
-              <a:pPr>
-                <a:defRPr/>
-              </a:pPr>
+          <a:lstStyle/>
+          <a:p>
+            <a:fld id="{D6490BF9-ACFE-4A2D-B2C4-E50A340BB111}" type="slidenum">
+              <a:rPr lang="en-US" smtClean="0"/>
               <a:t>‹#›</a:t>
             </a:fld>
             <a:endParaRPr lang="en-US"/>
@@ -710,21 +625,11 @@
         <p:spPr/>
         <p:txBody>
           <a:bodyPr/>
-          <a:lstStyle>
-            <a:lvl1pPr>
-              <a:defRPr/>
-            </a:lvl1pPr>
-          </a:lstStyle>
-          <a:p>
-            <a:pPr>
-              <a:defRPr/>
-            </a:pPr>
-            <a:fld id="{F187E59D-8040-4A13-925F-FEAA0393C5C8}" type="datetimeFigureOut">
-              <a:rPr lang="en-US"/>
-              <a:pPr>
-                <a:defRPr/>
-              </a:pPr>
-              <a:t>9/21/2009</a:t>
+          <a:lstStyle/>
+          <a:p>
+            <a:fld id="{735408CD-C373-4FC4-87E6-624C27AD4A6B}" type="datetimeFigureOut">
+              <a:rPr lang="en-US" smtClean="0"/>
+              <a:t>9/20/2009</a:t>
             </a:fld>
             <a:endParaRPr lang="en-US"/>
           </a:p>
@@ -743,15 +648,8 @@
         <p:spPr/>
         <p:txBody>
           <a:bodyPr/>
-          <a:lstStyle>
-            <a:lvl1pPr>
-              <a:defRPr/>
-            </a:lvl1pPr>
-          </a:lstStyle>
-          <a:p>
-            <a:pPr>
-              <a:defRPr/>
-            </a:pPr>
+          <a:lstStyle/>
+          <a:p>
             <a:endParaRPr lang="en-US"/>
           </a:p>
         </p:txBody>
@@ -769,20 +667,10 @@
         <p:spPr/>
         <p:txBody>
           <a:bodyPr/>
-          <a:lstStyle>
-            <a:lvl1pPr>
-              <a:defRPr/>
-            </a:lvl1pPr>
-          </a:lstStyle>
-          <a:p>
-            <a:pPr>
-              <a:defRPr/>
-            </a:pPr>
-            <a:fld id="{D20773D4-BC79-405B-9BE5-7E5D0F9823D1}" type="slidenum">
-              <a:rPr lang="en-US"/>
-              <a:pPr>
-                <a:defRPr/>
-              </a:pPr>
+          <a:lstStyle/>
+          <a:p>
+            <a:fld id="{D6490BF9-ACFE-4A2D-B2C4-E50A340BB111}" type="slidenum">
+              <a:rPr lang="en-US" smtClean="0"/>
               <a:t>‹#›</a:t>
             </a:fld>
             <a:endParaRPr lang="en-US"/>
@@ -902,21 +790,11 @@
         <p:spPr/>
         <p:txBody>
           <a:bodyPr/>
-          <a:lstStyle>
-            <a:lvl1pPr>
-              <a:defRPr/>
-            </a:lvl1pPr>
-          </a:lstStyle>
-          <a:p>
-            <a:pPr>
-              <a:defRPr/>
-            </a:pPr>
-            <a:fld id="{0FCD1E5E-BE95-4E76-B65B-41322D78BD0A}" type="datetimeFigureOut">
-              <a:rPr lang="en-US"/>
-              <a:pPr>
-                <a:defRPr/>
-              </a:pPr>
-              <a:t>9/21/2009</a:t>
+          <a:lstStyle/>
+          <a:p>
+            <a:fld id="{735408CD-C373-4FC4-87E6-624C27AD4A6B}" type="datetimeFigureOut">
+              <a:rPr lang="en-US" smtClean="0"/>
+              <a:t>9/20/2009</a:t>
             </a:fld>
             <a:endParaRPr lang="en-US"/>
           </a:p>
@@ -935,15 +813,8 @@
         <p:spPr/>
         <p:txBody>
           <a:bodyPr/>
-          <a:lstStyle>
-            <a:lvl1pPr>
-              <a:defRPr/>
-            </a:lvl1pPr>
-          </a:lstStyle>
-          <a:p>
-            <a:pPr>
-              <a:defRPr/>
-            </a:pPr>
+          <a:lstStyle/>
+          <a:p>
             <a:endParaRPr lang="en-US"/>
           </a:p>
         </p:txBody>
@@ -961,20 +832,10 @@
         <p:spPr/>
         <p:txBody>
           <a:bodyPr/>
-          <a:lstStyle>
-            <a:lvl1pPr>
-              <a:defRPr/>
-            </a:lvl1pPr>
-          </a:lstStyle>
-          <a:p>
-            <a:pPr>
-              <a:defRPr/>
-            </a:pPr>
-            <a:fld id="{5493AEB2-58E2-4B69-9629-97BDEC2A92F6}" type="slidenum">
-              <a:rPr lang="en-US"/>
-              <a:pPr>
-                <a:defRPr/>
-              </a:pPr>
+          <a:lstStyle/>
+          <a:p>
+            <a:fld id="{D6490BF9-ACFE-4A2D-B2C4-E50A340BB111}" type="slidenum">
+              <a:rPr lang="en-US" smtClean="0"/>
               <a:t>‹#›</a:t>
             </a:fld>
             <a:endParaRPr lang="en-US"/>
@@ -1170,21 +1031,11 @@
         <p:spPr/>
         <p:txBody>
           <a:bodyPr/>
-          <a:lstStyle>
-            <a:lvl1pPr>
-              <a:defRPr/>
-            </a:lvl1pPr>
-          </a:lstStyle>
-          <a:p>
-            <a:pPr>
-              <a:defRPr/>
-            </a:pPr>
-            <a:fld id="{306F7D27-84F1-4B7C-A798-FE143DF5C7BB}" type="datetimeFigureOut">
-              <a:rPr lang="en-US"/>
-              <a:pPr>
-                <a:defRPr/>
-              </a:pPr>
-              <a:t>9/21/2009</a:t>
+          <a:lstStyle/>
+          <a:p>
+            <a:fld id="{735408CD-C373-4FC4-87E6-624C27AD4A6B}" type="datetimeFigureOut">
+              <a:rPr lang="en-US" smtClean="0"/>
+              <a:t>9/20/2009</a:t>
             </a:fld>
             <a:endParaRPr lang="en-US"/>
           </a:p>
@@ -1203,15 +1054,8 @@
         <p:spPr/>
         <p:txBody>
           <a:bodyPr/>
-          <a:lstStyle>
-            <a:lvl1pPr>
-              <a:defRPr/>
-            </a:lvl1pPr>
-          </a:lstStyle>
-          <a:p>
-            <a:pPr>
-              <a:defRPr/>
-            </a:pPr>
+          <a:lstStyle/>
+          <a:p>
             <a:endParaRPr lang="en-US"/>
           </a:p>
         </p:txBody>
@@ -1229,20 +1073,10 @@
         <p:spPr/>
         <p:txBody>
           <a:bodyPr/>
-          <a:lstStyle>
-            <a:lvl1pPr>
-              <a:defRPr/>
-            </a:lvl1pPr>
-          </a:lstStyle>
-          <a:p>
-            <a:pPr>
-              <a:defRPr/>
-            </a:pPr>
-            <a:fld id="{063AA5E6-FF35-458D-A7CA-FFEEBCB7525D}" type="slidenum">
-              <a:rPr lang="en-US"/>
-              <a:pPr>
-                <a:defRPr/>
-              </a:pPr>
+          <a:lstStyle/>
+          <a:p>
+            <a:fld id="{D6490BF9-ACFE-4A2D-B2C4-E50A340BB111}" type="slidenum">
+              <a:rPr lang="en-US" smtClean="0"/>
               <a:t>‹#›</a:t>
             </a:fld>
             <a:endParaRPr lang="en-US"/>
@@ -1469,7 +1303,7 @@
       </p:sp>
       <p:sp>
         <p:nvSpPr>
-          <p:cNvPr id="5" name="Date Placeholder 3"/>
+          <p:cNvPr id="5" name="Date Placeholder 4"/>
           <p:cNvSpPr>
             <a:spLocks noGrp="1"/>
           </p:cNvSpPr>
@@ -1480,21 +1314,11 @@
         <p:spPr/>
         <p:txBody>
           <a:bodyPr/>
-          <a:lstStyle>
-            <a:lvl1pPr>
-              <a:defRPr/>
-            </a:lvl1pPr>
-          </a:lstStyle>
-          <a:p>
-            <a:pPr>
-              <a:defRPr/>
-            </a:pPr>
-            <a:fld id="{339EA091-A69D-42AB-93A4-760988E128CA}" type="datetimeFigureOut">
-              <a:rPr lang="en-US"/>
-              <a:pPr>
-                <a:defRPr/>
-              </a:pPr>
-              <a:t>9/21/2009</a:t>
+          <a:lstStyle/>
+          <a:p>
+            <a:fld id="{735408CD-C373-4FC4-87E6-624C27AD4A6B}" type="datetimeFigureOut">
+              <a:rPr lang="en-US" smtClean="0"/>
+              <a:t>9/20/2009</a:t>
             </a:fld>
             <a:endParaRPr lang="en-US"/>
           </a:p>
@@ -1502,7 +1326,7 @@
       </p:sp>
       <p:sp>
         <p:nvSpPr>
-          <p:cNvPr id="6" name="Footer Placeholder 4"/>
+          <p:cNvPr id="6" name="Footer Placeholder 5"/>
           <p:cNvSpPr>
             <a:spLocks noGrp="1"/>
           </p:cNvSpPr>
@@ -1513,22 +1337,15 @@
         <p:spPr/>
         <p:txBody>
           <a:bodyPr/>
-          <a:lstStyle>
-            <a:lvl1pPr>
-              <a:defRPr/>
-            </a:lvl1pPr>
-          </a:lstStyle>
-          <a:p>
-            <a:pPr>
-              <a:defRPr/>
-            </a:pPr>
-            <a:endParaRPr lang="en-US"/>
-          </a:p>
-        </p:txBody>
-      </p:sp>
-      <p:sp>
-        <p:nvSpPr>
-          <p:cNvPr id="7" name="Slide Number Placeholder 5"/>
+          <a:lstStyle/>
+          <a:p>
+            <a:endParaRPr lang="en-US"/>
+          </a:p>
+        </p:txBody>
+      </p:sp>
+      <p:sp>
+        <p:nvSpPr>
+          <p:cNvPr id="7" name="Slide Number Placeholder 6"/>
           <p:cNvSpPr>
             <a:spLocks noGrp="1"/>
           </p:cNvSpPr>
@@ -1539,20 +1356,10 @@
         <p:spPr/>
         <p:txBody>
           <a:bodyPr/>
-          <a:lstStyle>
-            <a:lvl1pPr>
-              <a:defRPr/>
-            </a:lvl1pPr>
-          </a:lstStyle>
-          <a:p>
-            <a:pPr>
-              <a:defRPr/>
-            </a:pPr>
-            <a:fld id="{04C26157-13E1-4924-A762-A02AC48E0F9C}" type="slidenum">
-              <a:rPr lang="en-US"/>
-              <a:pPr>
-                <a:defRPr/>
-              </a:pPr>
+          <a:lstStyle/>
+          <a:p>
+            <a:fld id="{D6490BF9-ACFE-4A2D-B2C4-E50A340BB111}" type="slidenum">
+              <a:rPr lang="en-US" smtClean="0"/>
               <a:t>‹#›</a:t>
             </a:fld>
             <a:endParaRPr lang="en-US"/>
@@ -1913,7 +1720,7 @@
       </p:sp>
       <p:sp>
         <p:nvSpPr>
-          <p:cNvPr id="7" name="Date Placeholder 3"/>
+          <p:cNvPr id="7" name="Date Placeholder 6"/>
           <p:cNvSpPr>
             <a:spLocks noGrp="1"/>
           </p:cNvSpPr>
@@ -1924,21 +1731,11 @@
         <p:spPr/>
         <p:txBody>
           <a:bodyPr/>
-          <a:lstStyle>
-            <a:lvl1pPr>
-              <a:defRPr/>
-            </a:lvl1pPr>
-          </a:lstStyle>
-          <a:p>
-            <a:pPr>
-              <a:defRPr/>
-            </a:pPr>
-            <a:fld id="{5A684B67-FB54-42C4-9EE1-EE959F590D08}" type="datetimeFigureOut">
-              <a:rPr lang="en-US"/>
-              <a:pPr>
-                <a:defRPr/>
-              </a:pPr>
-              <a:t>9/21/2009</a:t>
+          <a:lstStyle/>
+          <a:p>
+            <a:fld id="{735408CD-C373-4FC4-87E6-624C27AD4A6B}" type="datetimeFigureOut">
+              <a:rPr lang="en-US" smtClean="0"/>
+              <a:t>9/20/2009</a:t>
             </a:fld>
             <a:endParaRPr lang="en-US"/>
           </a:p>
@@ -1946,7 +1743,7 @@
       </p:sp>
       <p:sp>
         <p:nvSpPr>
-          <p:cNvPr id="8" name="Footer Placeholder 4"/>
+          <p:cNvPr id="8" name="Footer Placeholder 7"/>
           <p:cNvSpPr>
             <a:spLocks noGrp="1"/>
           </p:cNvSpPr>
@@ -1957,22 +1754,15 @@
         <p:spPr/>
         <p:txBody>
           <a:bodyPr/>
-          <a:lstStyle>
-            <a:lvl1pPr>
-              <a:defRPr/>
-            </a:lvl1pPr>
-          </a:lstStyle>
-          <a:p>
-            <a:pPr>
-              <a:defRPr/>
-            </a:pPr>
-            <a:endParaRPr lang="en-US"/>
-          </a:p>
-        </p:txBody>
-      </p:sp>
-      <p:sp>
-        <p:nvSpPr>
-          <p:cNvPr id="9" name="Slide Number Placeholder 5"/>
+          <a:lstStyle/>
+          <a:p>
+            <a:endParaRPr lang="en-US"/>
+          </a:p>
+        </p:txBody>
+      </p:sp>
+      <p:sp>
+        <p:nvSpPr>
+          <p:cNvPr id="9" name="Slide Number Placeholder 8"/>
           <p:cNvSpPr>
             <a:spLocks noGrp="1"/>
           </p:cNvSpPr>
@@ -1983,20 +1773,10 @@
         <p:spPr/>
         <p:txBody>
           <a:bodyPr/>
-          <a:lstStyle>
-            <a:lvl1pPr>
-              <a:defRPr/>
-            </a:lvl1pPr>
-          </a:lstStyle>
-          <a:p>
-            <a:pPr>
-              <a:defRPr/>
-            </a:pPr>
-            <a:fld id="{00F71D73-125E-42CA-8117-110336BCF347}" type="slidenum">
-              <a:rPr lang="en-US"/>
-              <a:pPr>
-                <a:defRPr/>
-              </a:pPr>
+          <a:lstStyle/>
+          <a:p>
+            <a:fld id="{D6490BF9-ACFE-4A2D-B2C4-E50A340BB111}" type="slidenum">
+              <a:rPr lang="en-US" smtClean="0"/>
               <a:t>‹#›</a:t>
             </a:fld>
             <a:endParaRPr lang="en-US"/>
@@ -2053,7 +1833,7 @@
       </p:sp>
       <p:sp>
         <p:nvSpPr>
-          <p:cNvPr id="3" name="Date Placeholder 3"/>
+          <p:cNvPr id="3" name="Date Placeholder 2"/>
           <p:cNvSpPr>
             <a:spLocks noGrp="1"/>
           </p:cNvSpPr>
@@ -2064,21 +1844,11 @@
         <p:spPr/>
         <p:txBody>
           <a:bodyPr/>
-          <a:lstStyle>
-            <a:lvl1pPr>
-              <a:defRPr/>
-            </a:lvl1pPr>
-          </a:lstStyle>
-          <a:p>
-            <a:pPr>
-              <a:defRPr/>
-            </a:pPr>
-            <a:fld id="{EF214EAE-9B82-43EE-858D-7AB5C6F1113E}" type="datetimeFigureOut">
-              <a:rPr lang="en-US"/>
-              <a:pPr>
-                <a:defRPr/>
-              </a:pPr>
-              <a:t>9/21/2009</a:t>
+          <a:lstStyle/>
+          <a:p>
+            <a:fld id="{735408CD-C373-4FC4-87E6-624C27AD4A6B}" type="datetimeFigureOut">
+              <a:rPr lang="en-US" smtClean="0"/>
+              <a:t>9/20/2009</a:t>
             </a:fld>
             <a:endParaRPr lang="en-US"/>
           </a:p>
@@ -2086,7 +1856,7 @@
       </p:sp>
       <p:sp>
         <p:nvSpPr>
-          <p:cNvPr id="4" name="Footer Placeholder 4"/>
+          <p:cNvPr id="4" name="Footer Placeholder 3"/>
           <p:cNvSpPr>
             <a:spLocks noGrp="1"/>
           </p:cNvSpPr>
@@ -2097,22 +1867,15 @@
         <p:spPr/>
         <p:txBody>
           <a:bodyPr/>
-          <a:lstStyle>
-            <a:lvl1pPr>
-              <a:defRPr/>
-            </a:lvl1pPr>
-          </a:lstStyle>
-          <a:p>
-            <a:pPr>
-              <a:defRPr/>
-            </a:pPr>
-            <a:endParaRPr lang="en-US"/>
-          </a:p>
-        </p:txBody>
-      </p:sp>
-      <p:sp>
-        <p:nvSpPr>
-          <p:cNvPr id="5" name="Slide Number Placeholder 5"/>
+          <a:lstStyle/>
+          <a:p>
+            <a:endParaRPr lang="en-US"/>
+          </a:p>
+        </p:txBody>
+      </p:sp>
+      <p:sp>
+        <p:nvSpPr>
+          <p:cNvPr id="5" name="Slide Number Placeholder 4"/>
           <p:cNvSpPr>
             <a:spLocks noGrp="1"/>
           </p:cNvSpPr>
@@ -2123,20 +1886,10 @@
         <p:spPr/>
         <p:txBody>
           <a:bodyPr/>
-          <a:lstStyle>
-            <a:lvl1pPr>
-              <a:defRPr/>
-            </a:lvl1pPr>
-          </a:lstStyle>
-          <a:p>
-            <a:pPr>
-              <a:defRPr/>
-            </a:pPr>
-            <a:fld id="{3B4BA17A-6142-4586-9E39-170DB38F9A3F}" type="slidenum">
-              <a:rPr lang="en-US"/>
-              <a:pPr>
-                <a:defRPr/>
-              </a:pPr>
+          <a:lstStyle/>
+          <a:p>
+            <a:fld id="{D6490BF9-ACFE-4A2D-B2C4-E50A340BB111}" type="slidenum">
+              <a:rPr lang="en-US" smtClean="0"/>
               <a:t>‹#›</a:t>
             </a:fld>
             <a:endParaRPr lang="en-US"/>
@@ -2170,7 +1923,7 @@
       </p:grpSpPr>
       <p:sp>
         <p:nvSpPr>
-          <p:cNvPr id="2" name="Date Placeholder 3"/>
+          <p:cNvPr id="2" name="Date Placeholder 1"/>
           <p:cNvSpPr>
             <a:spLocks noGrp="1"/>
           </p:cNvSpPr>
@@ -2181,21 +1934,11 @@
         <p:spPr/>
         <p:txBody>
           <a:bodyPr/>
-          <a:lstStyle>
-            <a:lvl1pPr>
-              <a:defRPr/>
-            </a:lvl1pPr>
-          </a:lstStyle>
-          <a:p>
-            <a:pPr>
-              <a:defRPr/>
-            </a:pPr>
-            <a:fld id="{A6A1C5B5-ED4C-4BB4-9335-6D9C7A278758}" type="datetimeFigureOut">
-              <a:rPr lang="en-US"/>
-              <a:pPr>
-                <a:defRPr/>
-              </a:pPr>
-              <a:t>9/21/2009</a:t>
+          <a:lstStyle/>
+          <a:p>
+            <a:fld id="{735408CD-C373-4FC4-87E6-624C27AD4A6B}" type="datetimeFigureOut">
+              <a:rPr lang="en-US" smtClean="0"/>
+              <a:t>9/20/2009</a:t>
             </a:fld>
             <a:endParaRPr lang="en-US"/>
           </a:p>
@@ -2203,7 +1946,7 @@
       </p:sp>
       <p:sp>
         <p:nvSpPr>
-          <p:cNvPr id="3" name="Footer Placeholder 4"/>
+          <p:cNvPr id="3" name="Footer Placeholder 2"/>
           <p:cNvSpPr>
             <a:spLocks noGrp="1"/>
           </p:cNvSpPr>
@@ -2214,22 +1957,15 @@
         <p:spPr/>
         <p:txBody>
           <a:bodyPr/>
-          <a:lstStyle>
-            <a:lvl1pPr>
-              <a:defRPr/>
-            </a:lvl1pPr>
-          </a:lstStyle>
-          <a:p>
-            <a:pPr>
-              <a:defRPr/>
-            </a:pPr>
-            <a:endParaRPr lang="en-US"/>
-          </a:p>
-        </p:txBody>
-      </p:sp>
-      <p:sp>
-        <p:nvSpPr>
-          <p:cNvPr id="4" name="Slide Number Placeholder 5"/>
+          <a:lstStyle/>
+          <a:p>
+            <a:endParaRPr lang="en-US"/>
+          </a:p>
+        </p:txBody>
+      </p:sp>
+      <p:sp>
+        <p:nvSpPr>
+          <p:cNvPr id="4" name="Slide Number Placeholder 3"/>
           <p:cNvSpPr>
             <a:spLocks noGrp="1"/>
           </p:cNvSpPr>
@@ -2240,20 +1976,10 @@
         <p:spPr/>
         <p:txBody>
           <a:bodyPr/>
-          <a:lstStyle>
-            <a:lvl1pPr>
-              <a:defRPr/>
-            </a:lvl1pPr>
-          </a:lstStyle>
-          <a:p>
-            <a:pPr>
-              <a:defRPr/>
-            </a:pPr>
-            <a:fld id="{3A2E297A-8E58-4C80-9FE4-82A499CFD808}" type="slidenum">
-              <a:rPr lang="en-US"/>
-              <a:pPr>
-                <a:defRPr/>
-              </a:pPr>
+          <a:lstStyle/>
+          <a:p>
+            <a:fld id="{D6490BF9-ACFE-4A2D-B2C4-E50A340BB111}" type="slidenum">
+              <a:rPr lang="en-US" smtClean="0"/>
               <a:t>‹#›</a:t>
             </a:fld>
             <a:endParaRPr lang="en-US"/>
@@ -2469,7 +2195,7 @@
       </p:sp>
       <p:sp>
         <p:nvSpPr>
-          <p:cNvPr id="5" name="Date Placeholder 3"/>
+          <p:cNvPr id="5" name="Date Placeholder 4"/>
           <p:cNvSpPr>
             <a:spLocks noGrp="1"/>
           </p:cNvSpPr>
@@ -2480,21 +2206,11 @@
         <p:spPr/>
         <p:txBody>
           <a:bodyPr/>
-          <a:lstStyle>
-            <a:lvl1pPr>
-              <a:defRPr/>
-            </a:lvl1pPr>
-          </a:lstStyle>
-          <a:p>
-            <a:pPr>
-              <a:defRPr/>
-            </a:pPr>
-            <a:fld id="{D2FD6603-CF90-49EC-8C6E-92117767A8AE}" type="datetimeFigureOut">
-              <a:rPr lang="en-US"/>
-              <a:pPr>
-                <a:defRPr/>
-              </a:pPr>
-              <a:t>9/21/2009</a:t>
+          <a:lstStyle/>
+          <a:p>
+            <a:fld id="{735408CD-C373-4FC4-87E6-624C27AD4A6B}" type="datetimeFigureOut">
+              <a:rPr lang="en-US" smtClean="0"/>
+              <a:t>9/20/2009</a:t>
             </a:fld>
             <a:endParaRPr lang="en-US"/>
           </a:p>
@@ -2502,7 +2218,7 @@
       </p:sp>
       <p:sp>
         <p:nvSpPr>
-          <p:cNvPr id="6" name="Footer Placeholder 4"/>
+          <p:cNvPr id="6" name="Footer Placeholder 5"/>
           <p:cNvSpPr>
             <a:spLocks noGrp="1"/>
           </p:cNvSpPr>
@@ -2513,22 +2229,15 @@
         <p:spPr/>
         <p:txBody>
           <a:bodyPr/>
-          <a:lstStyle>
-            <a:lvl1pPr>
-              <a:defRPr/>
-            </a:lvl1pPr>
-          </a:lstStyle>
-          <a:p>
-            <a:pPr>
-              <a:defRPr/>
-            </a:pPr>
-            <a:endParaRPr lang="en-US"/>
-          </a:p>
-        </p:txBody>
-      </p:sp>
-      <p:sp>
-        <p:nvSpPr>
-          <p:cNvPr id="7" name="Slide Number Placeholder 5"/>
+          <a:lstStyle/>
+          <a:p>
+            <a:endParaRPr lang="en-US"/>
+          </a:p>
+        </p:txBody>
+      </p:sp>
+      <p:sp>
+        <p:nvSpPr>
+          <p:cNvPr id="7" name="Slide Number Placeholder 6"/>
           <p:cNvSpPr>
             <a:spLocks noGrp="1"/>
           </p:cNvSpPr>
@@ -2539,20 +2248,10 @@
         <p:spPr/>
         <p:txBody>
           <a:bodyPr/>
-          <a:lstStyle>
-            <a:lvl1pPr>
-              <a:defRPr/>
-            </a:lvl1pPr>
-          </a:lstStyle>
-          <a:p>
-            <a:pPr>
-              <a:defRPr/>
-            </a:pPr>
-            <a:fld id="{8830B0B1-4E9C-490E-B671-E75E321E4403}" type="slidenum">
-              <a:rPr lang="en-US"/>
-              <a:pPr>
-                <a:defRPr/>
-              </a:pPr>
+          <a:lstStyle/>
+          <a:p>
+            <a:fld id="{D6490BF9-ACFE-4A2D-B2C4-E50A340BB111}" type="slidenum">
+              <a:rPr lang="en-US" smtClean="0"/>
               <a:t>‹#›</a:t>
             </a:fld>
             <a:endParaRPr lang="en-US"/>
@@ -2633,9 +2332,7 @@
           </a:xfrm>
         </p:spPr>
         <p:txBody>
-          <a:bodyPr rtlCol="0">
-            <a:normAutofit/>
-          </a:bodyPr>
+          <a:bodyPr/>
           <a:lstStyle>
             <a:lvl1pPr marL="0" indent="0">
               <a:buNone/>
@@ -2675,8 +2372,7 @@
             </a:lvl9pPr>
           </a:lstStyle>
           <a:p>
-            <a:pPr lvl="0"/>
-            <a:endParaRPr lang="en-US" noProof="0"/>
+            <a:endParaRPr lang="en-US"/>
           </a:p>
         </p:txBody>
       </p:sp>
@@ -2747,7 +2443,7 @@
       </p:sp>
       <p:sp>
         <p:nvSpPr>
-          <p:cNvPr id="5" name="Date Placeholder 3"/>
+          <p:cNvPr id="5" name="Date Placeholder 4"/>
           <p:cNvSpPr>
             <a:spLocks noGrp="1"/>
           </p:cNvSpPr>
@@ -2758,21 +2454,11 @@
         <p:spPr/>
         <p:txBody>
           <a:bodyPr/>
-          <a:lstStyle>
-            <a:lvl1pPr>
-              <a:defRPr/>
-            </a:lvl1pPr>
-          </a:lstStyle>
-          <a:p>
-            <a:pPr>
-              <a:defRPr/>
-            </a:pPr>
-            <a:fld id="{9B28CFE0-67F3-47D5-B9A0-8E4324BD8A1E}" type="datetimeFigureOut">
-              <a:rPr lang="en-US"/>
-              <a:pPr>
-                <a:defRPr/>
-              </a:pPr>
-              <a:t>9/21/2009</a:t>
+          <a:lstStyle/>
+          <a:p>
+            <a:fld id="{735408CD-C373-4FC4-87E6-624C27AD4A6B}" type="datetimeFigureOut">
+              <a:rPr lang="en-US" smtClean="0"/>
+              <a:t>9/20/2009</a:t>
             </a:fld>
             <a:endParaRPr lang="en-US"/>
           </a:p>
@@ -2780,7 +2466,7 @@
       </p:sp>
       <p:sp>
         <p:nvSpPr>
-          <p:cNvPr id="6" name="Footer Placeholder 4"/>
+          <p:cNvPr id="6" name="Footer Placeholder 5"/>
           <p:cNvSpPr>
             <a:spLocks noGrp="1"/>
           </p:cNvSpPr>
@@ -2791,22 +2477,15 @@
         <p:spPr/>
         <p:txBody>
           <a:bodyPr/>
-          <a:lstStyle>
-            <a:lvl1pPr>
-              <a:defRPr/>
-            </a:lvl1pPr>
-          </a:lstStyle>
-          <a:p>
-            <a:pPr>
-              <a:defRPr/>
-            </a:pPr>
-            <a:endParaRPr lang="en-US"/>
-          </a:p>
-        </p:txBody>
-      </p:sp>
-      <p:sp>
-        <p:nvSpPr>
-          <p:cNvPr id="7" name="Slide Number Placeholder 5"/>
+          <a:lstStyle/>
+          <a:p>
+            <a:endParaRPr lang="en-US"/>
+          </a:p>
+        </p:txBody>
+      </p:sp>
+      <p:sp>
+        <p:nvSpPr>
+          <p:cNvPr id="7" name="Slide Number Placeholder 6"/>
           <p:cNvSpPr>
             <a:spLocks noGrp="1"/>
           </p:cNvSpPr>
@@ -2817,20 +2496,10 @@
         <p:spPr/>
         <p:txBody>
           <a:bodyPr/>
-          <a:lstStyle>
-            <a:lvl1pPr>
-              <a:defRPr/>
-            </a:lvl1pPr>
-          </a:lstStyle>
-          <a:p>
-            <a:pPr>
-              <a:defRPr/>
-            </a:pPr>
-            <a:fld id="{D2A31E07-21A5-47D1-9E4B-656C29252624}" type="slidenum">
-              <a:rPr lang="en-US"/>
-              <a:pPr>
-                <a:defRPr/>
-              </a:pPr>
+          <a:lstStyle/>
+          <a:p>
+            <a:fld id="{D6490BF9-ACFE-4A2D-B2C4-E50A340BB111}" type="slidenum">
+              <a:rPr lang="en-US" smtClean="0"/>
               <a:t>‹#›</a:t>
             </a:fld>
             <a:endParaRPr lang="en-US"/>
@@ -2869,7 +2538,7 @@
       </p:grpSpPr>
       <p:sp>
         <p:nvSpPr>
-          <p:cNvPr id="1026" name="Title Placeholder 1"/>
+          <p:cNvPr id="2" name="Title Placeholder 1"/>
           <p:cNvSpPr>
             <a:spLocks noGrp="1"/>
           </p:cNvSpPr>
@@ -2877,7 +2546,7 @@
             <p:ph type="title"/>
           </p:nvPr>
         </p:nvSpPr>
-        <p:spPr bwMode="auto">
+        <p:spPr>
           <a:xfrm>
             <a:off x="457200" y="274638"/>
             <a:ext cx="8229600" cy="1143000"/>
@@ -2885,33 +2554,24 @@
           <a:prstGeom prst="rect">
             <a:avLst/>
           </a:prstGeom>
-          <a:noFill/>
-          <a:ln w="9525">
-            <a:noFill/>
-            <a:miter lim="800000"/>
-            <a:headEnd/>
-            <a:tailEnd/>
-          </a:ln>
         </p:spPr>
         <p:txBody>
-          <a:bodyPr vert="horz" wrap="square" lIns="91440" tIns="45720" rIns="91440" bIns="45720" numCol="1" anchor="ctr" anchorCtr="0" compatLnSpc="1">
-            <a:prstTxWarp prst="textNoShape">
-              <a:avLst/>
-            </a:prstTxWarp>
+          <a:bodyPr vert="horz" lIns="91440" tIns="45720" rIns="91440" bIns="45720" rtlCol="0" anchor="ctr">
+            <a:normAutofit/>
           </a:bodyPr>
           <a:lstStyle/>
           <a:p>
-            <a:pPr lvl="0"/>
             <a:r>
               <a:rPr lang="en-US" smtClean="0"/>
               <a:t>Click to edit Master title style</a:t>
             </a:r>
-          </a:p>
-        </p:txBody>
-      </p:sp>
-      <p:sp>
-        <p:nvSpPr>
-          <p:cNvPr id="1027" name="Text Placeholder 2"/>
+            <a:endParaRPr lang="en-US"/>
+          </a:p>
+        </p:txBody>
+      </p:sp>
+      <p:sp>
+        <p:nvSpPr>
+          <p:cNvPr id="3" name="Text Placeholder 2"/>
           <p:cNvSpPr>
             <a:spLocks noGrp="1"/>
           </p:cNvSpPr>
@@ -2919,7 +2579,7 @@
             <p:ph type="body" idx="1"/>
           </p:nvPr>
         </p:nvSpPr>
-        <p:spPr bwMode="auto">
+        <p:spPr>
           <a:xfrm>
             <a:off x="457200" y="1600200"/>
             <a:ext cx="8229600" cy="4525963"/>
@@ -2927,19 +2587,10 @@
           <a:prstGeom prst="rect">
             <a:avLst/>
           </a:prstGeom>
-          <a:noFill/>
-          <a:ln w="9525">
-            <a:noFill/>
-            <a:miter lim="800000"/>
-            <a:headEnd/>
-            <a:tailEnd/>
-          </a:ln>
         </p:spPr>
         <p:txBody>
-          <a:bodyPr vert="horz" wrap="square" lIns="91440" tIns="45720" rIns="91440" bIns="45720" numCol="1" anchor="t" anchorCtr="0" compatLnSpc="1">
-            <a:prstTxWarp prst="textNoShape">
-              <a:avLst/>
-            </a:prstTxWarp>
+          <a:bodyPr vert="horz" lIns="91440" tIns="45720" rIns="91440" bIns="45720" rtlCol="0">
+            <a:normAutofit/>
           </a:bodyPr>
           <a:lstStyle/>
           <a:p>
@@ -2976,6 +2627,7 @@
               <a:rPr lang="en-US" smtClean="0"/>
               <a:t>Fifth level</a:t>
             </a:r>
+            <a:endParaRPr lang="en-US"/>
           </a:p>
         </p:txBody>
       </p:sp>
@@ -3001,99 +2653,39 @@
         <p:txBody>
           <a:bodyPr vert="horz" lIns="91440" tIns="45720" rIns="91440" bIns="45720" rtlCol="0" anchor="ctr"/>
           <a:lstStyle>
-            <a:lvl1pPr algn="l" fontAlgn="auto">
-              <a:spcBef>
-                <a:spcPts val="0"/>
-              </a:spcBef>
-              <a:spcAft>
-                <a:spcPts val="0"/>
-              </a:spcAft>
-              <a:defRPr sz="1200" smtClean="0">
-                <a:solidFill>
-                  <a:schemeClr val="tx1">
-                    <a:tint val="75000"/>
-                  </a:schemeClr>
-                </a:solidFill>
-                <a:latin typeface="+mn-lt"/>
-              </a:defRPr>
-            </a:lvl1pPr>
-          </a:lstStyle>
-          <a:p>
-            <a:pPr>
-              <a:defRPr/>
-            </a:pPr>
-            <a:fld id="{816775DA-3383-4169-A515-5BBDB2425443}" type="datetimeFigureOut">
-              <a:rPr lang="en-US"/>
-              <a:pPr>
-                <a:defRPr/>
-              </a:pPr>
-              <a:t>9/21/2009</a:t>
-            </a:fld>
-            <a:endParaRPr lang="en-US"/>
-          </a:p>
-        </p:txBody>
-      </p:sp>
-      <p:sp>
-        <p:nvSpPr>
-          <p:cNvPr id="5" name="Footer Placeholder 4"/>
-          <p:cNvSpPr>
-            <a:spLocks noGrp="1"/>
-          </p:cNvSpPr>
-          <p:nvPr>
-            <p:ph type="ftr" sz="quarter" idx="3"/>
-          </p:nvPr>
-        </p:nvSpPr>
-        <p:spPr>
-          <a:xfrm>
-            <a:off x="3124200" y="6356350"/>
-            <a:ext cx="2895600" cy="365125"/>
-          </a:xfrm>
-          <a:prstGeom prst="rect">
-            <a:avLst/>
-          </a:prstGeom>
-        </p:spPr>
-        <p:txBody>
-          <a:bodyPr vert="horz" lIns="91440" tIns="45720" rIns="91440" bIns="45720" rtlCol="0" anchor="ctr"/>
-          <a:lstStyle>
-            <a:lvl1pPr algn="ctr" fontAlgn="auto">
-              <a:spcBef>
-                <a:spcPts val="0"/>
-              </a:spcBef>
-              <a:spcAft>
-                <a:spcPts val="0"/>
-              </a:spcAft>
+            <a:lvl1pPr algn="l">
               <a:defRPr sz="1200">
                 <a:solidFill>
                   <a:schemeClr val="tx1">
                     <a:tint val="75000"/>
                   </a:schemeClr>
                 </a:solidFill>
-                <a:latin typeface="+mn-lt"/>
               </a:defRPr>
             </a:lvl1pPr>
           </a:lstStyle>
           <a:p>
-            <a:pPr>
-              <a:defRPr/>
-            </a:pPr>
-            <a:endParaRPr lang="en-US"/>
-          </a:p>
-        </p:txBody>
-      </p:sp>
-      <p:sp>
-        <p:nvSpPr>
-          <p:cNvPr id="6" name="Slide Number Placeholder 5"/>
-          <p:cNvSpPr>
-            <a:spLocks noGrp="1"/>
-          </p:cNvSpPr>
-          <p:nvPr>
-            <p:ph type="sldNum" sz="quarter" idx="4"/>
+            <a:fld id="{735408CD-C373-4FC4-87E6-624C27AD4A6B}" type="datetimeFigureOut">
+              <a:rPr lang="en-US" smtClean="0"/>
+              <a:t>9/20/2009</a:t>
+            </a:fld>
+            <a:endParaRPr lang="en-US"/>
+          </a:p>
+        </p:txBody>
+      </p:sp>
+      <p:sp>
+        <p:nvSpPr>
+          <p:cNvPr id="5" name="Footer Placeholder 4"/>
+          <p:cNvSpPr>
+            <a:spLocks noGrp="1"/>
+          </p:cNvSpPr>
+          <p:nvPr>
+            <p:ph type="ftr" sz="quarter" idx="3"/>
           </p:nvPr>
         </p:nvSpPr>
         <p:spPr>
           <a:xfrm>
-            <a:off x="6553200" y="6356350"/>
-            <a:ext cx="2133600" cy="365125"/>
+            <a:off x="3124200" y="6356350"/>
+            <a:ext cx="2895600" cy="365125"/>
           </a:xfrm>
           <a:prstGeom prst="rect">
             <a:avLst/>
@@ -3102,32 +2694,56 @@
         <p:txBody>
           <a:bodyPr vert="horz" lIns="91440" tIns="45720" rIns="91440" bIns="45720" rtlCol="0" anchor="ctr"/>
           <a:lstStyle>
-            <a:lvl1pPr algn="r" fontAlgn="auto">
-              <a:spcBef>
-                <a:spcPts val="0"/>
-              </a:spcBef>
-              <a:spcAft>
-                <a:spcPts val="0"/>
-              </a:spcAft>
-              <a:defRPr sz="1200" smtClean="0">
+            <a:lvl1pPr algn="ctr">
+              <a:defRPr sz="1200">
                 <a:solidFill>
                   <a:schemeClr val="tx1">
                     <a:tint val="75000"/>
                   </a:schemeClr>
                 </a:solidFill>
-                <a:latin typeface="+mn-lt"/>
               </a:defRPr>
             </a:lvl1pPr>
           </a:lstStyle>
           <a:p>
-            <a:pPr>
-              <a:defRPr/>
-            </a:pPr>
-            <a:fld id="{FDBD515B-F25C-4BE5-BE31-FD7634BA6753}" type="slidenum">
-              <a:rPr lang="en-US"/>
-              <a:pPr>
-                <a:defRPr/>
-              </a:pPr>
+            <a:endParaRPr lang="en-US"/>
+          </a:p>
+        </p:txBody>
+      </p:sp>
+      <p:sp>
+        <p:nvSpPr>
+          <p:cNvPr id="6" name="Slide Number Placeholder 5"/>
+          <p:cNvSpPr>
+            <a:spLocks noGrp="1"/>
+          </p:cNvSpPr>
+          <p:nvPr>
+            <p:ph type="sldNum" sz="quarter" idx="4"/>
+          </p:nvPr>
+        </p:nvSpPr>
+        <p:spPr>
+          <a:xfrm>
+            <a:off x="6553200" y="6356350"/>
+            <a:ext cx="2133600" cy="365125"/>
+          </a:xfrm>
+          <a:prstGeom prst="rect">
+            <a:avLst/>
+          </a:prstGeom>
+        </p:spPr>
+        <p:txBody>
+          <a:bodyPr vert="horz" lIns="91440" tIns="45720" rIns="91440" bIns="45720" rtlCol="0" anchor="ctr"/>
+          <a:lstStyle>
+            <a:lvl1pPr algn="r">
+              <a:defRPr sz="1200">
+                <a:solidFill>
+                  <a:schemeClr val="tx1">
+                    <a:tint val="75000"/>
+                  </a:schemeClr>
+                </a:solidFill>
+              </a:defRPr>
+            </a:lvl1pPr>
+          </a:lstStyle>
+          <a:p>
+            <a:fld id="{D6490BF9-ACFE-4A2D-B2C4-E50A340BB111}" type="slidenum">
+              <a:rPr lang="en-US" smtClean="0"/>
               <a:t>‹#›</a:t>
             </a:fld>
             <a:endParaRPr lang="en-US"/>
@@ -3138,27 +2754,25 @@
   </p:cSld>
   <p:clrMap bg1="lt1" tx1="dk1" bg2="lt2" tx2="dk2" accent1="accent1" accent2="accent2" accent3="accent3" accent4="accent4" accent5="accent5" accent6="accent6" hlink="hlink" folHlink="folHlink"/>
   <p:sldLayoutIdLst>
-    <p:sldLayoutId id="2147483659" r:id="rId1"/>
-    <p:sldLayoutId id="2147483658" r:id="rId2"/>
-    <p:sldLayoutId id="2147483657" r:id="rId3"/>
-    <p:sldLayoutId id="2147483656" r:id="rId4"/>
-    <p:sldLayoutId id="2147483655" r:id="rId5"/>
+    <p:sldLayoutId id="2147483649" r:id="rId1"/>
+    <p:sldLayoutId id="2147483650" r:id="rId2"/>
+    <p:sldLayoutId id="2147483651" r:id="rId3"/>
+    <p:sldLayoutId id="2147483652" r:id="rId4"/>
+    <p:sldLayoutId id="2147483653" r:id="rId5"/>
     <p:sldLayoutId id="2147483654" r:id="rId6"/>
-    <p:sldLayoutId id="2147483653" r:id="rId7"/>
-    <p:sldLayoutId id="2147483652" r:id="rId8"/>
-    <p:sldLayoutId id="2147483651" r:id="rId9"/>
-    <p:sldLayoutId id="2147483650" r:id="rId10"/>
-    <p:sldLayoutId id="2147483649" r:id="rId11"/>
+    <p:sldLayoutId id="2147483655" r:id="rId7"/>
+    <p:sldLayoutId id="2147483656" r:id="rId8"/>
+    <p:sldLayoutId id="2147483657" r:id="rId9"/>
+    <p:sldLayoutId id="2147483658" r:id="rId10"/>
+    <p:sldLayoutId id="2147483659" r:id="rId11"/>
   </p:sldLayoutIdLst>
   <p:txStyles>
     <p:titleStyle>
-      <a:lvl1pPr algn="ctr" rtl="0" fontAlgn="base">
+      <a:lvl1pPr algn="ctr" defTabSz="914400" rtl="0" eaLnBrk="1" latinLnBrk="0" hangingPunct="1">
         <a:spcBef>
           <a:spcPct val="0"/>
         </a:spcBef>
-        <a:spcAft>
-          <a:spcPct val="0"/>
-        </a:spcAft>
+        <a:buNone/>
         <a:defRPr sz="4400" kern="1200">
           <a:solidFill>
             <a:schemeClr val="tx1"/>
@@ -3168,128 +2782,13 @@
           <a:cs typeface="+mj-cs"/>
         </a:defRPr>
       </a:lvl1pPr>
-      <a:lvl2pPr algn="ctr" rtl="0" fontAlgn="base">
-        <a:spcBef>
-          <a:spcPct val="0"/>
-        </a:spcBef>
-        <a:spcAft>
-          <a:spcPct val="0"/>
-        </a:spcAft>
-        <a:defRPr sz="4400">
-          <a:solidFill>
-            <a:schemeClr val="tx1"/>
-          </a:solidFill>
-          <a:latin typeface="Calibri" pitchFamily="34" charset="0"/>
-        </a:defRPr>
-      </a:lvl2pPr>
-      <a:lvl3pPr algn="ctr" rtl="0" fontAlgn="base">
-        <a:spcBef>
-          <a:spcPct val="0"/>
-        </a:spcBef>
-        <a:spcAft>
-          <a:spcPct val="0"/>
-        </a:spcAft>
-        <a:defRPr sz="4400">
-          <a:solidFill>
-            <a:schemeClr val="tx1"/>
-          </a:solidFill>
-          <a:latin typeface="Calibri" pitchFamily="34" charset="0"/>
-        </a:defRPr>
-      </a:lvl3pPr>
-      <a:lvl4pPr algn="ctr" rtl="0" fontAlgn="base">
-        <a:spcBef>
-          <a:spcPct val="0"/>
-        </a:spcBef>
-        <a:spcAft>
-          <a:spcPct val="0"/>
-        </a:spcAft>
-        <a:defRPr sz="4400">
-          <a:solidFill>
-            <a:schemeClr val="tx1"/>
-          </a:solidFill>
-          <a:latin typeface="Calibri" pitchFamily="34" charset="0"/>
-        </a:defRPr>
-      </a:lvl4pPr>
-      <a:lvl5pPr algn="ctr" rtl="0" fontAlgn="base">
-        <a:spcBef>
-          <a:spcPct val="0"/>
-        </a:spcBef>
-        <a:spcAft>
-          <a:spcPct val="0"/>
-        </a:spcAft>
-        <a:defRPr sz="4400">
-          <a:solidFill>
-            <a:schemeClr val="tx1"/>
-          </a:solidFill>
-          <a:latin typeface="Calibri" pitchFamily="34" charset="0"/>
-        </a:defRPr>
-      </a:lvl5pPr>
-      <a:lvl6pPr marL="457200" algn="ctr" rtl="0" fontAlgn="base">
-        <a:spcBef>
-          <a:spcPct val="0"/>
-        </a:spcBef>
-        <a:spcAft>
-          <a:spcPct val="0"/>
-        </a:spcAft>
-        <a:defRPr sz="4400">
-          <a:solidFill>
-            <a:schemeClr val="tx1"/>
-          </a:solidFill>
-          <a:latin typeface="Calibri" pitchFamily="34" charset="0"/>
-        </a:defRPr>
-      </a:lvl6pPr>
-      <a:lvl7pPr marL="914400" algn="ctr" rtl="0" fontAlgn="base">
-        <a:spcBef>
-          <a:spcPct val="0"/>
-        </a:spcBef>
-        <a:spcAft>
-          <a:spcPct val="0"/>
-        </a:spcAft>
-        <a:defRPr sz="4400">
-          <a:solidFill>
-            <a:schemeClr val="tx1"/>
-          </a:solidFill>
-          <a:latin typeface="Calibri" pitchFamily="34" charset="0"/>
-        </a:defRPr>
-      </a:lvl7pPr>
-      <a:lvl8pPr marL="1371600" algn="ctr" rtl="0" fontAlgn="base">
-        <a:spcBef>
-          <a:spcPct val="0"/>
-        </a:spcBef>
-        <a:spcAft>
-          <a:spcPct val="0"/>
-        </a:spcAft>
-        <a:defRPr sz="4400">
-          <a:solidFill>
-            <a:schemeClr val="tx1"/>
-          </a:solidFill>
-          <a:latin typeface="Calibri" pitchFamily="34" charset="0"/>
-        </a:defRPr>
-      </a:lvl8pPr>
-      <a:lvl9pPr marL="1828800" algn="ctr" rtl="0" fontAlgn="base">
-        <a:spcBef>
-          <a:spcPct val="0"/>
-        </a:spcBef>
-        <a:spcAft>
-          <a:spcPct val="0"/>
-        </a:spcAft>
-        <a:defRPr sz="4400">
-          <a:solidFill>
-            <a:schemeClr val="tx1"/>
-          </a:solidFill>
-          <a:latin typeface="Calibri" pitchFamily="34" charset="0"/>
-        </a:defRPr>
-      </a:lvl9pPr>
     </p:titleStyle>
     <p:bodyStyle>
-      <a:lvl1pPr marL="342900" indent="-342900" algn="l" rtl="0" fontAlgn="base">
+      <a:lvl1pPr marL="342900" indent="-342900" algn="l" defTabSz="914400" rtl="0" eaLnBrk="1" latinLnBrk="0" hangingPunct="1">
         <a:spcBef>
           <a:spcPct val="20000"/>
         </a:spcBef>
-        <a:spcAft>
-          <a:spcPct val="0"/>
-        </a:spcAft>
-        <a:buFont typeface="Arial" charset="0"/>
+        <a:buFont typeface="Arial" pitchFamily="34" charset="0"/>
         <a:buChar char="•"/>
         <a:defRPr sz="3200" kern="1200">
           <a:solidFill>
@@ -3300,14 +2799,11 @@
           <a:cs typeface="+mn-cs"/>
         </a:defRPr>
       </a:lvl1pPr>
-      <a:lvl2pPr marL="742950" indent="-285750" algn="l" rtl="0" fontAlgn="base">
+      <a:lvl2pPr marL="742950" indent="-285750" algn="l" defTabSz="914400" rtl="0" eaLnBrk="1" latinLnBrk="0" hangingPunct="1">
         <a:spcBef>
           <a:spcPct val="20000"/>
         </a:spcBef>
-        <a:spcAft>
-          <a:spcPct val="0"/>
-        </a:spcAft>
-        <a:buFont typeface="Arial" charset="0"/>
+        <a:buFont typeface="Arial" pitchFamily="34" charset="0"/>
         <a:buChar char="–"/>
         <a:defRPr sz="2800" kern="1200">
           <a:solidFill>
@@ -3318,14 +2814,11 @@
           <a:cs typeface="+mn-cs"/>
         </a:defRPr>
       </a:lvl2pPr>
-      <a:lvl3pPr marL="1143000" indent="-228600" algn="l" rtl="0" fontAlgn="base">
+      <a:lvl3pPr marL="1143000" indent="-228600" algn="l" defTabSz="914400" rtl="0" eaLnBrk="1" latinLnBrk="0" hangingPunct="1">
         <a:spcBef>
           <a:spcPct val="20000"/>
         </a:spcBef>
-        <a:spcAft>
-          <a:spcPct val="0"/>
-        </a:spcAft>
-        <a:buFont typeface="Arial" charset="0"/>
+        <a:buFont typeface="Arial" pitchFamily="34" charset="0"/>
         <a:buChar char="•"/>
         <a:defRPr sz="2400" kern="1200">
           <a:solidFill>
@@ -3336,14 +2829,11 @@
           <a:cs typeface="+mn-cs"/>
         </a:defRPr>
       </a:lvl3pPr>
-      <a:lvl4pPr marL="1600200" indent="-228600" algn="l" rtl="0" fontAlgn="base">
+      <a:lvl4pPr marL="1600200" indent="-228600" algn="l" defTabSz="914400" rtl="0" eaLnBrk="1" latinLnBrk="0" hangingPunct="1">
         <a:spcBef>
           <a:spcPct val="20000"/>
         </a:spcBef>
-        <a:spcAft>
-          <a:spcPct val="0"/>
-        </a:spcAft>
-        <a:buFont typeface="Arial" charset="0"/>
+        <a:buFont typeface="Arial" pitchFamily="34" charset="0"/>
         <a:buChar char="–"/>
         <a:defRPr sz="2000" kern="1200">
           <a:solidFill>
@@ -3354,14 +2844,11 @@
           <a:cs typeface="+mn-cs"/>
         </a:defRPr>
       </a:lvl4pPr>
-      <a:lvl5pPr marL="2057400" indent="-228600" algn="l" rtl="0" fontAlgn="base">
+      <a:lvl5pPr marL="2057400" indent="-228600" algn="l" defTabSz="914400" rtl="0" eaLnBrk="1" latinLnBrk="0" hangingPunct="1">
         <a:spcBef>
           <a:spcPct val="20000"/>
         </a:spcBef>
-        <a:spcAft>
-          <a:spcPct val="0"/>
-        </a:spcAft>
-        <a:buFont typeface="Arial" charset="0"/>
+        <a:buFont typeface="Arial" pitchFamily="34" charset="0"/>
         <a:buChar char="»"/>
         <a:defRPr sz="2000" kern="1200">
           <a:solidFill>
@@ -3551,7 +3038,7 @@
       </p:grpSpPr>
       <p:sp>
         <p:nvSpPr>
-          <p:cNvPr id="13313" name="Rectangle 3"/>
+          <p:cNvPr id="5" name="Rectangle 3"/>
           <p:cNvSpPr>
             <a:spLocks noChangeArrowheads="1"/>
           </p:cNvSpPr>
@@ -3574,26 +3061,35 @@
             <a:headEnd/>
             <a:tailEnd/>
           </a:ln>
+          <a:effectLst/>
         </p:spPr>
         <p:txBody>
           <a:bodyPr wrap="none" anchor="ctr"/>
           <a:lstStyle/>
           <a:p>
             <a:pPr algn="ctr">
+              <a:lnSpc>
+                <a:spcPct val="100000"/>
+              </a:lnSpc>
               <a:spcBef>
                 <a:spcPct val="50000"/>
               </a:spcBef>
             </a:pPr>
             <a:r>
-              <a:rPr lang="en-US" sz="2000"/>
+              <a:rPr lang="en-US" sz="2000" dirty="0" smtClean="0">
+                <a:latin typeface="Arial" charset="0"/>
+              </a:rPr>
               <a:t>Patient</a:t>
             </a:r>
-          </a:p>
-        </p:txBody>
-      </p:sp>
-      <p:sp>
-        <p:nvSpPr>
-          <p:cNvPr id="13314" name="Text Box 8"/>
+            <a:endParaRPr lang="en-US" sz="2000" dirty="0">
+              <a:latin typeface="Arial" charset="0"/>
+            </a:endParaRPr>
+          </a:p>
+        </p:txBody>
+      </p:sp>
+      <p:sp>
+        <p:nvSpPr>
+          <p:cNvPr id="10" name="Text Box 8"/>
           <p:cNvSpPr txBox="1">
             <a:spLocks noChangeArrowheads="1"/>
           </p:cNvSpPr>
@@ -3602,7 +3098,7 @@
         <p:spPr bwMode="auto">
           <a:xfrm>
             <a:off x="2959100" y="1371600"/>
-            <a:ext cx="2133600" cy="327025"/>
+            <a:ext cx="2133600" cy="327782"/>
           </a:xfrm>
           <a:prstGeom prst="rect">
             <a:avLst/>
@@ -3614,6 +3110,7 @@
             <a:headEnd type="none" w="lg" len="lg"/>
             <a:tailEnd type="none" w="lg" len="lg"/>
           </a:ln>
+          <a:effectLst/>
         </p:spPr>
         <p:txBody>
           <a:bodyPr>
@@ -3630,15 +3127,20 @@
               </a:spcBef>
             </a:pPr>
             <a:r>
-              <a:rPr lang="en-US"/>
+              <a:rPr lang="en-US" dirty="0" smtClean="0">
+                <a:latin typeface="Arial" charset="0"/>
+              </a:rPr>
               <a:t>&lt;- treats</a:t>
             </a:r>
-          </a:p>
-        </p:txBody>
-      </p:sp>
-      <p:sp>
-        <p:nvSpPr>
-          <p:cNvPr id="13315" name="Text Box 9"/>
+            <a:endParaRPr lang="en-US" dirty="0">
+              <a:latin typeface="Arial" charset="0"/>
+            </a:endParaRPr>
+          </a:p>
+        </p:txBody>
+      </p:sp>
+      <p:sp>
+        <p:nvSpPr>
+          <p:cNvPr id="11" name="Text Box 9"/>
           <p:cNvSpPr txBox="1">
             <a:spLocks noChangeArrowheads="1"/>
           </p:cNvSpPr>
@@ -3659,6 +3161,7 @@
             <a:headEnd type="none" w="lg" len="lg"/>
             <a:tailEnd type="none" w="lg" len="lg"/>
           </a:ln>
+          <a:effectLst/>
         </p:spPr>
         <p:txBody>
           <a:bodyPr>
@@ -3675,15 +3178,20 @@
               </a:spcBef>
             </a:pPr>
             <a:r>
-              <a:rPr lang="en-US"/>
+              <a:rPr lang="en-US" dirty="0" smtClean="0">
+                <a:latin typeface="Arial" charset="0"/>
+              </a:rPr>
               <a:t>get helps by</a:t>
             </a:r>
-          </a:p>
-        </p:txBody>
-      </p:sp>
-      <p:sp>
-        <p:nvSpPr>
-          <p:cNvPr id="13316" name="Text Box 11"/>
+            <a:endParaRPr lang="en-US" dirty="0">
+              <a:latin typeface="Arial" charset="0"/>
+            </a:endParaRPr>
+          </a:p>
+        </p:txBody>
+      </p:sp>
+      <p:sp>
+        <p:nvSpPr>
+          <p:cNvPr id="13" name="Text Box 11"/>
           <p:cNvSpPr txBox="1">
             <a:spLocks noChangeArrowheads="1"/>
           </p:cNvSpPr>
@@ -3692,7 +3200,7 @@
         <p:spPr bwMode="auto">
           <a:xfrm>
             <a:off x="2171700" y="2066925"/>
-            <a:ext cx="1485900" cy="798513"/>
+            <a:ext cx="1485900" cy="798680"/>
           </a:xfrm>
           <a:prstGeom prst="rect">
             <a:avLst/>
@@ -3704,9 +3212,10 @@
             <a:headEnd type="none" w="lg" len="lg"/>
             <a:tailEnd type="none" w="lg" len="lg"/>
           </a:ln>
+          <a:effectLst/>
         </p:spPr>
         <p:txBody>
-          <a:bodyPr>
+          <a:bodyPr wrap="square">
             <a:spAutoFit/>
           </a:bodyPr>
           <a:lstStyle/>
@@ -3717,10 +3226,14 @@
               </a:lnSpc>
             </a:pPr>
             <a:r>
-              <a:rPr lang="en-US" u="sng"/>
+              <a:rPr lang="en-US" u="sng" dirty="0" err="1" smtClean="0">
+                <a:latin typeface="Arial" charset="0"/>
+              </a:rPr>
               <a:t>patid</a:t>
             </a:r>
-            <a:endParaRPr lang="en-US"/>
+            <a:endParaRPr lang="en-US" dirty="0">
+              <a:latin typeface="Arial" charset="0"/>
+            </a:endParaRPr>
           </a:p>
           <a:p>
             <a:pPr>
@@ -3729,9 +3242,14 @@
               </a:lnSpc>
             </a:pPr>
             <a:r>
-              <a:rPr lang="en-US"/>
+              <a:rPr lang="en-US" dirty="0" smtClean="0">
+                <a:latin typeface="Arial" charset="0"/>
+              </a:rPr>
               <a:t>name !</a:t>
             </a:r>
+            <a:endParaRPr lang="en-US" dirty="0">
+              <a:latin typeface="Arial" charset="0"/>
+            </a:endParaRPr>
           </a:p>
           <a:p>
             <a:pPr>
@@ -3740,15 +3258,26 @@
               </a:lnSpc>
             </a:pPr>
             <a:r>
-              <a:rPr lang="en-US"/>
-              <a:t>birthdate !</a:t>
-            </a:r>
-          </a:p>
-        </p:txBody>
-      </p:sp>
-      <p:sp>
-        <p:nvSpPr>
-          <p:cNvPr id="13317" name="Rectangle 12"/>
+              <a:rPr lang="en-US" dirty="0" err="1" smtClean="0">
+                <a:latin typeface="Arial" charset="0"/>
+              </a:rPr>
+              <a:t>birthdate</a:t>
+            </a:r>
+            <a:r>
+              <a:rPr lang="en-US" dirty="0" smtClean="0">
+                <a:latin typeface="Arial" charset="0"/>
+              </a:rPr>
+              <a:t> !</a:t>
+            </a:r>
+            <a:endParaRPr lang="en-US" dirty="0">
+              <a:latin typeface="Arial" charset="0"/>
+            </a:endParaRPr>
+          </a:p>
+        </p:txBody>
+      </p:sp>
+      <p:sp>
+        <p:nvSpPr>
+          <p:cNvPr id="14" name="Rectangle 12"/>
           <p:cNvSpPr>
             <a:spLocks noChangeArrowheads="1"/>
           </p:cNvSpPr>
@@ -3771,26 +3300,35 @@
             <a:headEnd/>
             <a:tailEnd/>
           </a:ln>
+          <a:effectLst/>
         </p:spPr>
         <p:txBody>
           <a:bodyPr wrap="none" anchor="ctr"/>
           <a:lstStyle/>
           <a:p>
             <a:pPr algn="ctr">
+              <a:lnSpc>
+                <a:spcPct val="100000"/>
+              </a:lnSpc>
               <a:spcBef>
                 <a:spcPct val="50000"/>
               </a:spcBef>
             </a:pPr>
             <a:r>
-              <a:rPr lang="en-US" sz="2000"/>
+              <a:rPr lang="en-US" sz="2000" dirty="0" smtClean="0">
+                <a:latin typeface="Arial" charset="0"/>
+              </a:rPr>
               <a:t>Doctor</a:t>
             </a:r>
-          </a:p>
-        </p:txBody>
-      </p:sp>
-      <p:sp>
-        <p:nvSpPr>
-          <p:cNvPr id="13318" name="Rectangle 13"/>
+            <a:endParaRPr lang="en-US" sz="2000" dirty="0">
+              <a:latin typeface="Arial" charset="0"/>
+            </a:endParaRPr>
+          </a:p>
+        </p:txBody>
+      </p:sp>
+      <p:sp>
+        <p:nvSpPr>
+          <p:cNvPr id="15" name="Rectangle 13"/>
           <p:cNvSpPr>
             <a:spLocks noChangeArrowheads="1"/>
           </p:cNvSpPr>
@@ -3813,30 +3351,39 @@
             <a:headEnd/>
             <a:tailEnd/>
           </a:ln>
+          <a:effectLst/>
         </p:spPr>
         <p:txBody>
           <a:bodyPr wrap="none" anchor="ctr"/>
           <a:lstStyle/>
           <a:p>
             <a:pPr algn="ctr">
+              <a:lnSpc>
+                <a:spcPct val="100000"/>
+              </a:lnSpc>
               <a:spcBef>
                 <a:spcPct val="50000"/>
               </a:spcBef>
             </a:pPr>
             <a:r>
-              <a:rPr lang="en-US" sz="2000"/>
+              <a:rPr lang="en-US" sz="2000" dirty="0" smtClean="0">
+                <a:latin typeface="Arial" charset="0"/>
+              </a:rPr>
               <a:t>Assistant</a:t>
             </a:r>
+            <a:endParaRPr lang="en-US" sz="2000" dirty="0">
+              <a:latin typeface="Arial" charset="0"/>
+            </a:endParaRPr>
           </a:p>
         </p:txBody>
       </p:sp>
       <p:cxnSp>
         <p:nvCxnSpPr>
-          <p:cNvPr id="13319" name="AutoShape 14"/>
+          <p:cNvPr id="16" name="AutoShape 14"/>
           <p:cNvCxnSpPr>
             <a:cxnSpLocks noChangeShapeType="1"/>
-            <a:stCxn id="13317" idx="2"/>
-            <a:endCxn id="13318" idx="0"/>
+            <a:stCxn id="14" idx="2"/>
+            <a:endCxn id="15" idx="0"/>
           </p:cNvCxnSpPr>
           <p:nvPr/>
         </p:nvCxnSpPr>
@@ -3857,11 +3404,12 @@
             <a:headEnd type="none" w="lg" len="lg"/>
             <a:tailEnd type="none" w="lg" len="lg"/>
           </a:ln>
+          <a:effectLst/>
         </p:spPr>
       </p:cxnSp>
       <p:grpSp>
         <p:nvGrpSpPr>
-          <p:cNvPr id="13320" name="Group 15"/>
+          <p:cNvPr id="17" name="Group 15"/>
           <p:cNvGrpSpPr>
             <a:grpSpLocks/>
           </p:cNvGrpSpPr>
@@ -3877,7 +3425,7 @@
         </p:grpSpPr>
         <p:sp>
           <p:nvSpPr>
-            <p:cNvPr id="13336" name="Line 16"/>
+            <p:cNvPr id="18" name="Line 16"/>
             <p:cNvSpPr>
               <a:spLocks noChangeShapeType="1"/>
             </p:cNvSpPr>
@@ -3900,6 +3448,7 @@
               <a:headEnd/>
               <a:tailEnd/>
             </a:ln>
+            <a:effectLst/>
           </p:spPr>
           <p:txBody>
             <a:bodyPr anchor="ctr"/>
@@ -3911,7 +3460,7 @@
         </p:sp>
         <p:sp>
           <p:nvSpPr>
-            <p:cNvPr id="13337" name="Line 17"/>
+            <p:cNvPr id="19" name="Line 17"/>
             <p:cNvSpPr>
               <a:spLocks noChangeShapeType="1"/>
             </p:cNvSpPr>
@@ -3934,6 +3483,7 @@
               <a:headEnd/>
               <a:tailEnd/>
             </a:ln>
+            <a:effectLst/>
           </p:spPr>
           <p:txBody>
             <a:bodyPr anchor="ctr"/>
@@ -3946,7 +3496,7 @@
       </p:grpSp>
       <p:sp>
         <p:nvSpPr>
-          <p:cNvPr id="13321" name="Text Box 18"/>
+          <p:cNvPr id="20" name="Text Box 18"/>
           <p:cNvSpPr txBox="1">
             <a:spLocks noChangeArrowheads="1"/>
           </p:cNvSpPr>
@@ -3955,7 +3505,7 @@
         <p:spPr bwMode="auto">
           <a:xfrm>
             <a:off x="4508500" y="2755900"/>
-            <a:ext cx="1358900" cy="563563"/>
+            <a:ext cx="1358900" cy="563231"/>
           </a:xfrm>
           <a:prstGeom prst="rect">
             <a:avLst/>
@@ -3967,6 +3517,7 @@
             <a:headEnd type="none" w="lg" len="lg"/>
             <a:tailEnd type="none" w="lg" len="lg"/>
           </a:ln>
+          <a:effectLst/>
         </p:spPr>
         <p:txBody>
           <a:bodyPr>
@@ -3983,15 +3534,20 @@
               </a:spcBef>
             </a:pPr>
             <a:r>
-              <a:rPr lang="en-US"/>
+              <a:rPr lang="en-US" dirty="0" smtClean="0">
+                <a:latin typeface="Arial" charset="0"/>
+              </a:rPr>
               <a:t>get assists from</a:t>
             </a:r>
-          </a:p>
-        </p:txBody>
-      </p:sp>
-      <p:sp>
-        <p:nvSpPr>
-          <p:cNvPr id="13322" name="Text Box 19"/>
+            <a:endParaRPr lang="en-US" dirty="0">
+              <a:latin typeface="Arial" charset="0"/>
+            </a:endParaRPr>
+          </a:p>
+        </p:txBody>
+      </p:sp>
+      <p:sp>
+        <p:nvSpPr>
+          <p:cNvPr id="21" name="Text Box 19"/>
           <p:cNvSpPr txBox="1">
             <a:spLocks noChangeArrowheads="1"/>
           </p:cNvSpPr>
@@ -4000,7 +3556,7 @@
         <p:spPr bwMode="auto">
           <a:xfrm>
             <a:off x="5562600" y="4343400"/>
-            <a:ext cx="1676400" cy="563563"/>
+            <a:ext cx="1676400" cy="563231"/>
           </a:xfrm>
           <a:prstGeom prst="rect">
             <a:avLst/>
@@ -4012,6 +3568,7 @@
             <a:headEnd type="none" w="lg" len="lg"/>
             <a:tailEnd type="none" w="lg" len="lg"/>
           </a:ln>
+          <a:effectLst/>
         </p:spPr>
         <p:txBody>
           <a:bodyPr>
@@ -4025,9 +3582,14 @@
               </a:lnSpc>
             </a:pPr>
             <a:r>
-              <a:rPr lang="en-US" u="sng"/>
+              <a:rPr lang="en-US" u="sng" dirty="0" err="1" smtClean="0">
+                <a:latin typeface="Arial" charset="0"/>
+              </a:rPr>
               <a:t>ssno</a:t>
             </a:r>
+            <a:endParaRPr lang="en-US" u="sng" dirty="0">
+              <a:latin typeface="Arial" charset="0"/>
+            </a:endParaRPr>
           </a:p>
           <a:p>
             <a:pPr>
@@ -4036,15 +3598,26 @@
               </a:lnSpc>
             </a:pPr>
             <a:r>
-              <a:rPr lang="en-US"/>
-              <a:t>aname ! </a:t>
-            </a:r>
-          </a:p>
-        </p:txBody>
-      </p:sp>
-      <p:sp>
-        <p:nvSpPr>
-          <p:cNvPr id="13323" name="Text Box 20"/>
+              <a:rPr lang="en-US" dirty="0" err="1" smtClean="0">
+                <a:latin typeface="Arial" charset="0"/>
+              </a:rPr>
+              <a:t>aname</a:t>
+            </a:r>
+            <a:r>
+              <a:rPr lang="en-US" dirty="0" smtClean="0">
+                <a:latin typeface="Arial" charset="0"/>
+              </a:rPr>
+              <a:t> ! </a:t>
+            </a:r>
+            <a:endParaRPr lang="en-US" dirty="0">
+              <a:latin typeface="Arial" charset="0"/>
+            </a:endParaRPr>
+          </a:p>
+        </p:txBody>
+      </p:sp>
+      <p:sp>
+        <p:nvSpPr>
+          <p:cNvPr id="22" name="Text Box 20"/>
           <p:cNvSpPr txBox="1">
             <a:spLocks noChangeArrowheads="1"/>
           </p:cNvSpPr>
@@ -4053,7 +3626,7 @@
         <p:spPr bwMode="auto">
           <a:xfrm>
             <a:off x="6096000" y="2044700"/>
-            <a:ext cx="1524000" cy="1033463"/>
+            <a:ext cx="1524000" cy="1034129"/>
           </a:xfrm>
           <a:prstGeom prst="rect">
             <a:avLst/>
@@ -4065,9 +3638,10 @@
             <a:headEnd type="none" w="lg" len="lg"/>
             <a:tailEnd type="none" w="lg" len="lg"/>
           </a:ln>
+          <a:effectLst/>
         </p:spPr>
         <p:txBody>
-          <a:bodyPr>
+          <a:bodyPr wrap="square">
             <a:spAutoFit/>
           </a:bodyPr>
           <a:lstStyle/>
@@ -4078,9 +3652,14 @@
               </a:lnSpc>
             </a:pPr>
             <a:r>
-              <a:rPr lang="en-US" u="sng"/>
+              <a:rPr lang="en-US" u="sng" dirty="0" err="1" smtClean="0">
+                <a:latin typeface="Arial" charset="0"/>
+              </a:rPr>
               <a:t>licenseauth</a:t>
             </a:r>
+            <a:endParaRPr lang="en-US" u="sng" dirty="0" smtClean="0">
+              <a:latin typeface="Arial" charset="0"/>
+            </a:endParaRPr>
           </a:p>
           <a:p>
             <a:pPr>
@@ -4089,9 +3668,14 @@
               </a:lnSpc>
             </a:pPr>
             <a:r>
-              <a:rPr lang="en-US" u="sng"/>
+              <a:rPr lang="en-US" u="sng" dirty="0" err="1" smtClean="0">
+                <a:latin typeface="Arial" charset="0"/>
+              </a:rPr>
               <a:t>licenseno</a:t>
             </a:r>
+            <a:endParaRPr lang="en-US" u="sng" dirty="0">
+              <a:latin typeface="Arial" charset="0"/>
+            </a:endParaRPr>
           </a:p>
           <a:p>
             <a:pPr>
@@ -4100,9 +3684,20 @@
               </a:lnSpc>
             </a:pPr>
             <a:r>
-              <a:rPr lang="en-US"/>
-              <a:t>docnam !</a:t>
-            </a:r>
+              <a:rPr lang="en-US" dirty="0" err="1" smtClean="0">
+                <a:latin typeface="Arial" charset="0"/>
+              </a:rPr>
+              <a:t>docnam</a:t>
+            </a:r>
+            <a:r>
+              <a:rPr lang="en-US" dirty="0" smtClean="0">
+                <a:latin typeface="Arial" charset="0"/>
+              </a:rPr>
+              <a:t> !</a:t>
+            </a:r>
+            <a:endParaRPr lang="en-US" dirty="0">
+              <a:latin typeface="Arial" charset="0"/>
+            </a:endParaRPr>
           </a:p>
           <a:p>
             <a:pPr>
@@ -4111,19 +3706,30 @@
               </a:lnSpc>
             </a:pPr>
             <a:r>
-              <a:rPr lang="en-US"/>
-              <a:t>yrlicensed !</a:t>
-            </a:r>
+              <a:rPr lang="en-US" dirty="0" err="1" smtClean="0">
+                <a:latin typeface="Arial" charset="0"/>
+              </a:rPr>
+              <a:t>yrlicensed</a:t>
+            </a:r>
+            <a:r>
+              <a:rPr lang="en-US" dirty="0" smtClean="0">
+                <a:latin typeface="Arial" charset="0"/>
+              </a:rPr>
+              <a:t> !</a:t>
+            </a:r>
+            <a:endParaRPr lang="en-US" dirty="0">
+              <a:latin typeface="Arial" charset="0"/>
+            </a:endParaRPr>
           </a:p>
         </p:txBody>
       </p:sp>
       <p:cxnSp>
         <p:nvCxnSpPr>
-          <p:cNvPr id="13324" name="AutoShape 21"/>
+          <p:cNvPr id="23" name="AutoShape 21"/>
           <p:cNvCxnSpPr>
             <a:cxnSpLocks noChangeShapeType="1"/>
-            <a:stCxn id="13313" idx="3"/>
-            <a:endCxn id="13317" idx="1"/>
+            <a:stCxn id="5" idx="3"/>
+            <a:endCxn id="14" idx="1"/>
           </p:cNvCxnSpPr>
           <p:nvPr/>
         </p:nvCxnSpPr>
@@ -4144,14 +3750,15 @@
             <a:headEnd/>
             <a:tailEnd type="none" w="lg" len="lg"/>
           </a:ln>
+          <a:effectLst/>
         </p:spPr>
       </p:cxnSp>
       <p:cxnSp>
         <p:nvCxnSpPr>
-          <p:cNvPr id="13325" name="AutoShape 22"/>
+          <p:cNvPr id="24" name="AutoShape 22"/>
           <p:cNvCxnSpPr>
             <a:cxnSpLocks noChangeShapeType="1"/>
-            <a:endCxn id="13318" idx="1"/>
+            <a:endCxn id="15" idx="1"/>
           </p:cNvCxnSpPr>
           <p:nvPr/>
         </p:nvCxnSpPr>
@@ -4172,6 +3779,7 @@
             <a:headEnd/>
             <a:tailEnd type="none" w="lg" len="lg"/>
           </a:ln>
+          <a:effectLst/>
         </p:spPr>
       </p:cxnSp>
       <p:sp>
@@ -4194,22 +3802,30 @@
           <a:ln/>
         </p:spPr>
         <p:txBody>
-          <a:bodyPr anchor="ctr">
+          <a:bodyPr vert="horz" lIns="91440" tIns="45720" rIns="91440" bIns="45720" rtlCol="0" anchor="ctr">
             <a:normAutofit fontScale="70000" lnSpcReduction="20000"/>
           </a:bodyPr>
           <a:lstStyle/>
           <a:p>
-            <a:pPr algn="ctr" fontAlgn="auto">
+            <a:pPr lvl="0" algn="ctr">
               <a:lnSpc>
                 <a:spcPct val="85000"/>
               </a:lnSpc>
-              <a:spcAft>
-                <a:spcPts val="0"/>
-              </a:spcAft>
-              <a:defRPr/>
+              <a:spcBef>
+                <a:spcPct val="0"/>
+              </a:spcBef>
             </a:pPr>
             <a:r>
-              <a:rPr lang="en-US" sz="4400" dirty="0">
+              <a:rPr kumimoji="0" lang="en-US" sz="4400" b="0" i="0" u="none" strike="noStrike" kern="1200" cap="none" spc="0" normalizeH="0" baseline="0" noProof="0" dirty="0" smtClean="0">
+                <a:ln>
+                  <a:noFill/>
+                </a:ln>
+                <a:solidFill>
+                  <a:schemeClr val="tx1"/>
+                </a:solidFill>
+                <a:effectLst/>
+                <a:uLnTx/>
+                <a:uFillTx/>
                 <a:latin typeface="+mj-lt"/>
                 <a:ea typeface="+mj-ea"/>
                 <a:cs typeface="+mj-cs"/>
@@ -4217,19 +3833,39 @@
               <a:t>Doctor Patient: </a:t>
             </a:r>
             <a:br>
-              <a:rPr lang="en-US" sz="4400" dirty="0">
+              <a:rPr kumimoji="0" lang="en-US" sz="4400" b="0" i="0" u="none" strike="noStrike" kern="1200" cap="none" spc="0" normalizeH="0" baseline="0" noProof="0" dirty="0" smtClean="0">
+                <a:ln>
+                  <a:noFill/>
+                </a:ln>
+                <a:solidFill>
+                  <a:schemeClr val="tx1"/>
+                </a:solidFill>
+                <a:effectLst/>
+                <a:uLnTx/>
+                <a:uFillTx/>
                 <a:latin typeface="+mj-lt"/>
                 <a:ea typeface="+mj-ea"/>
                 <a:cs typeface="+mj-cs"/>
               </a:rPr>
             </a:br>
             <a:r>
-              <a:rPr lang="en-US" sz="4400" dirty="0">
-                <a:latin typeface="+mn-lt"/>
+              <a:rPr lang="en-US" sz="4400" dirty="0" smtClean="0">
+                <a:solidFill>
+                  <a:schemeClr val="tx1"/>
+                </a:solidFill>
               </a:rPr>
               <a:t> Easy Crow Magnum Diagram</a:t>
             </a:r>
-            <a:endParaRPr lang="en-US" sz="4400" dirty="0">
+            <a:endParaRPr kumimoji="0" lang="en-US" sz="4400" b="0" i="0" u="none" strike="noStrike" kern="1200" cap="none" spc="0" normalizeH="0" baseline="0" noProof="0" dirty="0" smtClean="0">
+              <a:ln>
+                <a:noFill/>
+              </a:ln>
+              <a:solidFill>
+                <a:schemeClr val="tx1"/>
+              </a:solidFill>
+              <a:effectLst/>
+              <a:uLnTx/>
+              <a:uFillTx/>
               <a:latin typeface="+mj-lt"/>
               <a:ea typeface="+mj-ea"/>
               <a:cs typeface="+mj-cs"/>
@@ -4239,7 +3875,7 @@
       </p:sp>
       <p:sp>
         <p:nvSpPr>
-          <p:cNvPr id="13327" name="Line 31"/>
+          <p:cNvPr id="31" name="Line 31"/>
           <p:cNvSpPr>
             <a:spLocks noChangeShapeType="1"/>
           </p:cNvSpPr>
@@ -4262,6 +3898,7 @@
             <a:headEnd/>
             <a:tailEnd/>
           </a:ln>
+          <a:effectLst/>
         </p:spPr>
         <p:txBody>
           <a:bodyPr wrap="none" anchor="ctr"/>
@@ -4273,7 +3910,7 @@
       </p:sp>
       <p:cxnSp>
         <p:nvCxnSpPr>
-          <p:cNvPr id="13328" name="AutoShape 14"/>
+          <p:cNvPr id="32" name="AutoShape 14"/>
           <p:cNvCxnSpPr>
             <a:cxnSpLocks noChangeShapeType="1"/>
           </p:cNvCxnSpPr>
@@ -4281,8 +3918,8 @@
         </p:nvCxnSpPr>
         <p:spPr bwMode="auto">
           <a:xfrm rot="5400000">
-            <a:off x="2247901" y="3543300"/>
-            <a:ext cx="1295400" cy="3175"/>
+            <a:off x="2247900" y="3543300"/>
+            <a:ext cx="1295400" cy="1588"/>
           </a:xfrm>
           <a:prstGeom prst="straightConnector1">
             <a:avLst/>
@@ -4296,11 +3933,12 @@
             <a:headEnd type="none" w="lg" len="lg"/>
             <a:tailEnd type="none" w="lg" len="lg"/>
           </a:ln>
+          <a:effectLst/>
         </p:spPr>
       </p:cxnSp>
       <p:grpSp>
         <p:nvGrpSpPr>
-          <p:cNvPr id="13329" name="Group 15"/>
+          <p:cNvPr id="33" name="Group 15"/>
           <p:cNvGrpSpPr>
             <a:grpSpLocks/>
           </p:cNvGrpSpPr>
@@ -4308,7 +3946,7 @@
         </p:nvGrpSpPr>
         <p:grpSpPr bwMode="auto">
           <a:xfrm rot="5400000" flipH="1">
-            <a:off x="2781300" y="2890838"/>
+            <a:off x="2781300" y="2890837"/>
             <a:ext cx="228600" cy="304800"/>
             <a:chOff x="1920" y="2400"/>
             <a:chExt cx="144" cy="192"/>
@@ -4316,7 +3954,7 @@
         </p:grpSpPr>
         <p:sp>
           <p:nvSpPr>
-            <p:cNvPr id="13334" name="Line 16"/>
+            <p:cNvPr id="34" name="Line 16"/>
             <p:cNvSpPr>
               <a:spLocks noChangeShapeType="1"/>
             </p:cNvSpPr>
@@ -4339,6 +3977,7 @@
               <a:headEnd/>
               <a:tailEnd/>
             </a:ln>
+            <a:effectLst/>
           </p:spPr>
           <p:txBody>
             <a:bodyPr anchor="ctr"/>
@@ -4350,7 +3989,7 @@
         </p:sp>
         <p:sp>
           <p:nvSpPr>
-            <p:cNvPr id="13335" name="Line 17"/>
+            <p:cNvPr id="35" name="Line 17"/>
             <p:cNvSpPr>
               <a:spLocks noChangeShapeType="1"/>
             </p:cNvSpPr>
@@ -4373,6 +4012,7 @@
               <a:headEnd/>
               <a:tailEnd/>
             </a:ln>
+            <a:effectLst/>
           </p:spPr>
           <p:txBody>
             <a:bodyPr anchor="ctr"/>
@@ -4385,7 +4025,7 @@
       </p:grpSp>
       <p:grpSp>
         <p:nvGrpSpPr>
-          <p:cNvPr id="13330" name="Group 36"/>
+          <p:cNvPr id="37" name="Group 36"/>
           <p:cNvGrpSpPr>
             <a:grpSpLocks/>
           </p:cNvGrpSpPr>
@@ -4401,7 +4041,7 @@
         </p:grpSpPr>
         <p:sp>
           <p:nvSpPr>
-            <p:cNvPr id="13332" name="Line 24"/>
+            <p:cNvPr id="38" name="Line 24"/>
             <p:cNvSpPr>
               <a:spLocks noChangeShapeType="1"/>
             </p:cNvSpPr>
@@ -4424,6 +4064,7 @@
               <a:headEnd/>
               <a:tailEnd/>
             </a:ln>
+            <a:effectLst/>
           </p:spPr>
           <p:txBody>
             <a:bodyPr anchor="ctr"/>
@@ -4435,7 +4076,7 @@
         </p:sp>
         <p:sp>
           <p:nvSpPr>
-            <p:cNvPr id="13333" name="Line 25"/>
+            <p:cNvPr id="39" name="Line 25"/>
             <p:cNvSpPr>
               <a:spLocks noChangeShapeType="1"/>
             </p:cNvSpPr>
@@ -4458,6 +4099,7 @@
               <a:headEnd/>
               <a:tailEnd/>
             </a:ln>
+            <a:effectLst/>
           </p:spPr>
           <p:txBody>
             <a:bodyPr anchor="ctr"/>
@@ -4470,7 +4112,7 @@
       </p:grpSp>
       <p:sp>
         <p:nvSpPr>
-          <p:cNvPr id="13331" name="Line 30"/>
+          <p:cNvPr id="40" name="Line 30"/>
           <p:cNvSpPr>
             <a:spLocks noChangeShapeType="1"/>
           </p:cNvSpPr>
@@ -4493,6 +4135,7 @@
             <a:headEnd/>
             <a:tailEnd/>
           </a:ln>
+          <a:effectLst/>
         </p:spPr>
         <p:txBody>
           <a:bodyPr wrap="none" anchor="ctr"/>
@@ -4529,7 +4172,7 @@
       </p:grpSpPr>
       <p:sp>
         <p:nvSpPr>
-          <p:cNvPr id="14337" name="Title 1"/>
+          <p:cNvPr id="2" name="Title 1"/>
           <p:cNvSpPr>
             <a:spLocks noGrp="1"/>
           </p:cNvSpPr>
@@ -4542,13 +4185,13 @@
           <a:bodyPr/>
           <a:lstStyle/>
           <a:p>
-            <a:endParaRPr lang="en-US" smtClean="0"/>
-          </a:p>
-        </p:txBody>
-      </p:sp>
-      <p:sp>
-        <p:nvSpPr>
-          <p:cNvPr id="14338" name="Content Placeholder 2"/>
+            <a:endParaRPr lang="en-US" dirty="0"/>
+          </a:p>
+        </p:txBody>
+      </p:sp>
+      <p:sp>
+        <p:nvSpPr>
+          <p:cNvPr id="3" name="Content Placeholder 2"/>
           <p:cNvSpPr>
             <a:spLocks noGrp="1"/>
           </p:cNvSpPr>
@@ -4561,13 +4204,13 @@
           <a:bodyPr/>
           <a:lstStyle/>
           <a:p>
-            <a:endParaRPr lang="en-US" smtClean="0"/>
-          </a:p>
-        </p:txBody>
-      </p:sp>
-      <p:sp>
-        <p:nvSpPr>
-          <p:cNvPr id="14339" name="Rectangle 3"/>
+            <a:endParaRPr lang="en-US"/>
+          </a:p>
+        </p:txBody>
+      </p:sp>
+      <p:sp>
+        <p:nvSpPr>
+          <p:cNvPr id="4" name="Rectangle 3"/>
           <p:cNvSpPr>
             <a:spLocks noChangeArrowheads="1"/>
           </p:cNvSpPr>
@@ -4590,18 +4233,24 @@
             <a:headEnd/>
             <a:tailEnd/>
           </a:ln>
+          <a:effectLst/>
         </p:spPr>
         <p:txBody>
           <a:bodyPr wrap="none" anchor="ctr"/>
           <a:lstStyle/>
           <a:p>
             <a:pPr algn="ctr">
+              <a:lnSpc>
+                <a:spcPct val="100000"/>
+              </a:lnSpc>
               <a:spcBef>
                 <a:spcPct val="50000"/>
               </a:spcBef>
             </a:pPr>
             <a:r>
-              <a:rPr lang="en-US" sz="2000"/>
+              <a:rPr lang="en-US" sz="2000">
+                <a:latin typeface="Arial" charset="0"/>
+              </a:rPr>
               <a:t>Candidate</a:t>
             </a:r>
           </a:p>
@@ -4609,7 +4258,7 @@
       </p:sp>
       <p:sp>
         <p:nvSpPr>
-          <p:cNvPr id="14340" name="Rectangle 4"/>
+          <p:cNvPr id="5" name="Rectangle 4"/>
           <p:cNvSpPr>
             <a:spLocks noChangeArrowheads="1"/>
           </p:cNvSpPr>
@@ -4632,18 +4281,24 @@
             <a:headEnd/>
             <a:tailEnd/>
           </a:ln>
+          <a:effectLst/>
         </p:spPr>
         <p:txBody>
           <a:bodyPr wrap="none" anchor="ctr"/>
           <a:lstStyle/>
           <a:p>
             <a:pPr algn="ctr">
+              <a:lnSpc>
+                <a:spcPct val="100000"/>
+              </a:lnSpc>
               <a:spcBef>
                 <a:spcPct val="50000"/>
               </a:spcBef>
             </a:pPr>
             <a:r>
-              <a:rPr lang="en-US" sz="2000"/>
+              <a:rPr lang="en-US" sz="2000">
+                <a:latin typeface="Arial" charset="0"/>
+              </a:rPr>
               <a:t>JobPosting</a:t>
             </a:r>
           </a:p>
@@ -4651,7 +4306,7 @@
       </p:sp>
       <p:grpSp>
         <p:nvGrpSpPr>
-          <p:cNvPr id="14341" name="Group 5"/>
+          <p:cNvPr id="6" name="Group 5"/>
           <p:cNvGrpSpPr>
             <a:grpSpLocks/>
           </p:cNvGrpSpPr>
@@ -4667,7 +4322,7 @@
         </p:grpSpPr>
         <p:sp>
           <p:nvSpPr>
-            <p:cNvPr id="14364" name="Line 6"/>
+            <p:cNvPr id="7" name="Line 6"/>
             <p:cNvSpPr>
               <a:spLocks noChangeShapeType="1"/>
             </p:cNvSpPr>
@@ -4690,6 +4345,7 @@
               <a:headEnd/>
               <a:tailEnd/>
             </a:ln>
+            <a:effectLst/>
           </p:spPr>
           <p:txBody>
             <a:bodyPr anchor="ctr"/>
@@ -4701,7 +4357,7 @@
         </p:sp>
         <p:sp>
           <p:nvSpPr>
-            <p:cNvPr id="14365" name="Line 7"/>
+            <p:cNvPr id="8" name="Line 7"/>
             <p:cNvSpPr>
               <a:spLocks noChangeShapeType="1"/>
             </p:cNvSpPr>
@@ -4724,6 +4380,7 @@
               <a:headEnd/>
               <a:tailEnd/>
             </a:ln>
+            <a:effectLst/>
           </p:spPr>
           <p:txBody>
             <a:bodyPr anchor="ctr"/>
@@ -4736,7 +4393,7 @@
       </p:grpSp>
       <p:sp>
         <p:nvSpPr>
-          <p:cNvPr id="14342" name="Text Box 8"/>
+          <p:cNvPr id="9" name="Text Box 8"/>
           <p:cNvSpPr txBox="1">
             <a:spLocks noChangeArrowheads="1"/>
           </p:cNvSpPr>
@@ -4757,6 +4414,7 @@
             <a:headEnd type="none" w="lg" len="lg"/>
             <a:tailEnd type="none" w="lg" len="lg"/>
           </a:ln>
+          <a:effectLst/>
         </p:spPr>
         <p:txBody>
           <a:bodyPr>
@@ -4773,7 +4431,9 @@
               </a:spcBef>
             </a:pPr>
             <a:r>
-              <a:rPr lang="en-US"/>
+              <a:rPr lang="en-US">
+                <a:latin typeface="Arial" charset="0"/>
+              </a:rPr>
               <a:t>job history includes</a:t>
             </a:r>
           </a:p>
@@ -4781,7 +4441,7 @@
       </p:sp>
       <p:sp>
         <p:nvSpPr>
-          <p:cNvPr id="14343" name="Text Box 9"/>
+          <p:cNvPr id="10" name="Text Box 9"/>
           <p:cNvSpPr txBox="1">
             <a:spLocks noChangeArrowheads="1"/>
           </p:cNvSpPr>
@@ -4802,6 +4462,7 @@
             <a:headEnd type="none" w="lg" len="lg"/>
             <a:tailEnd type="none" w="lg" len="lg"/>
           </a:ln>
+          <a:effectLst/>
         </p:spPr>
         <p:txBody>
           <a:bodyPr>
@@ -4818,7 +4479,9 @@
               </a:spcBef>
             </a:pPr>
             <a:r>
-              <a:rPr lang="en-US"/>
+              <a:rPr lang="en-US">
+                <a:latin typeface="Arial" charset="0"/>
+              </a:rPr>
               <a:t>open at</a:t>
             </a:r>
           </a:p>
@@ -4826,7 +4489,7 @@
       </p:sp>
       <p:sp>
         <p:nvSpPr>
-          <p:cNvPr id="14344" name="Text Box 10"/>
+          <p:cNvPr id="11" name="Text Box 10"/>
           <p:cNvSpPr txBox="1">
             <a:spLocks noChangeArrowheads="1"/>
           </p:cNvSpPr>
@@ -4847,6 +4510,7 @@
             <a:headEnd type="none" w="lg" len="lg"/>
             <a:tailEnd type="none" w="lg" len="lg"/>
           </a:ln>
+          <a:effectLst/>
         </p:spPr>
         <p:txBody>
           <a:bodyPr>
@@ -4860,7 +4524,9 @@
               </a:lnSpc>
             </a:pPr>
             <a:r>
-              <a:rPr lang="en-US" u="sng"/>
+              <a:rPr lang="en-US" u="sng">
+                <a:latin typeface="Arial" charset="0"/>
+              </a:rPr>
               <a:t>postid</a:t>
             </a:r>
           </a:p>
@@ -4871,7 +4537,9 @@
               </a:lnSpc>
             </a:pPr>
             <a:r>
-              <a:rPr lang="en-US"/>
+              <a:rPr lang="en-US">
+                <a:latin typeface="Arial" charset="0"/>
+              </a:rPr>
               <a:t>title</a:t>
             </a:r>
           </a:p>
@@ -4882,7 +4550,9 @@
               </a:lnSpc>
             </a:pPr>
             <a:r>
-              <a:rPr lang="en-US"/>
+              <a:rPr lang="en-US">
+                <a:latin typeface="Arial" charset="0"/>
+              </a:rPr>
               <a:t>location</a:t>
             </a:r>
           </a:p>
@@ -4893,7 +4563,9 @@
               </a:lnSpc>
             </a:pPr>
             <a:r>
-              <a:rPr lang="en-US"/>
+              <a:rPr lang="en-US">
+                <a:latin typeface="Arial" charset="0"/>
+              </a:rPr>
               <a:t>descr</a:t>
             </a:r>
           </a:p>
@@ -4904,7 +4576,9 @@
               </a:lnSpc>
             </a:pPr>
             <a:r>
-              <a:rPr lang="en-US"/>
+              <a:rPr lang="en-US">
+                <a:latin typeface="Arial" charset="0"/>
+              </a:rPr>
               <a:t>postdate</a:t>
             </a:r>
           </a:p>
@@ -4912,7 +4586,7 @@
       </p:sp>
       <p:sp>
         <p:nvSpPr>
-          <p:cNvPr id="14345" name="Text Box 11"/>
+          <p:cNvPr id="12" name="Text Box 11"/>
           <p:cNvSpPr txBox="1">
             <a:spLocks noChangeArrowheads="1"/>
           </p:cNvSpPr>
@@ -4933,6 +4607,7 @@
             <a:headEnd type="none" w="lg" len="lg"/>
             <a:tailEnd type="none" w="lg" len="lg"/>
           </a:ln>
+          <a:effectLst/>
         </p:spPr>
         <p:txBody>
           <a:bodyPr>
@@ -4946,10 +4621,14 @@
               </a:lnSpc>
             </a:pPr>
             <a:r>
-              <a:rPr lang="en-US" u="sng"/>
+              <a:rPr lang="en-US" u="sng" dirty="0">
+                <a:latin typeface="Arial" charset="0"/>
+              </a:rPr>
               <a:t>candid</a:t>
             </a:r>
-            <a:endParaRPr lang="en-US"/>
+            <a:endParaRPr lang="en-US" dirty="0">
+              <a:latin typeface="Arial" charset="0"/>
+            </a:endParaRPr>
           </a:p>
           <a:p>
             <a:pPr>
@@ -4958,7 +4637,9 @@
               </a:lnSpc>
             </a:pPr>
             <a:r>
-              <a:rPr lang="en-US"/>
+              <a:rPr lang="en-US" dirty="0">
+                <a:latin typeface="Arial" charset="0"/>
+              </a:rPr>
               <a:t>name</a:t>
             </a:r>
           </a:p>
@@ -4969,9 +4650,14 @@
               </a:lnSpc>
             </a:pPr>
             <a:r>
-              <a:rPr lang="en-US"/>
+              <a:rPr lang="en-US" dirty="0" err="1">
+                <a:latin typeface="Arial" charset="0"/>
+              </a:rPr>
               <a:t>descr</a:t>
             </a:r>
+            <a:endParaRPr lang="en-US" dirty="0">
+              <a:latin typeface="Arial" charset="0"/>
+            </a:endParaRPr>
           </a:p>
           <a:p>
             <a:pPr>
@@ -4980,9 +4666,14 @@
               </a:lnSpc>
             </a:pPr>
             <a:r>
-              <a:rPr lang="en-US"/>
+              <a:rPr lang="en-US" dirty="0" err="1">
+                <a:latin typeface="Arial" charset="0"/>
+              </a:rPr>
               <a:t>industryWanted</a:t>
             </a:r>
+            <a:endParaRPr lang="en-US" dirty="0">
+              <a:latin typeface="Arial" charset="0"/>
+            </a:endParaRPr>
           </a:p>
           <a:p>
             <a:pPr>
@@ -4991,9 +4682,14 @@
               </a:lnSpc>
             </a:pPr>
             <a:r>
-              <a:rPr lang="en-US"/>
+              <a:rPr lang="en-US" dirty="0" err="1">
+                <a:latin typeface="Arial" charset="0"/>
+              </a:rPr>
               <a:t>titleWanted</a:t>
             </a:r>
+            <a:endParaRPr lang="en-US" dirty="0">
+              <a:latin typeface="Arial" charset="0"/>
+            </a:endParaRPr>
           </a:p>
           <a:p>
             <a:pPr>
@@ -5002,15 +4698,20 @@
               </a:lnSpc>
             </a:pPr>
             <a:r>
-              <a:rPr lang="en-US"/>
+              <a:rPr lang="en-US" dirty="0" err="1">
+                <a:latin typeface="Arial" charset="0"/>
+              </a:rPr>
               <a:t>locationWanted</a:t>
             </a:r>
-          </a:p>
-        </p:txBody>
-      </p:sp>
-      <p:sp>
-        <p:nvSpPr>
-          <p:cNvPr id="14346" name="Rectangle 12"/>
+            <a:endParaRPr lang="en-US" dirty="0">
+              <a:latin typeface="Arial" charset="0"/>
+            </a:endParaRPr>
+          </a:p>
+        </p:txBody>
+      </p:sp>
+      <p:sp>
+        <p:nvSpPr>
+          <p:cNvPr id="13" name="Rectangle 12"/>
           <p:cNvSpPr>
             <a:spLocks noChangeArrowheads="1"/>
           </p:cNvSpPr>
@@ -5033,18 +4734,24 @@
             <a:headEnd/>
             <a:tailEnd/>
           </a:ln>
+          <a:effectLst/>
         </p:spPr>
         <p:txBody>
           <a:bodyPr wrap="none" anchor="ctr"/>
           <a:lstStyle/>
           <a:p>
             <a:pPr algn="ctr">
+              <a:lnSpc>
+                <a:spcPct val="100000"/>
+              </a:lnSpc>
               <a:spcBef>
                 <a:spcPct val="50000"/>
               </a:spcBef>
             </a:pPr>
             <a:r>
-              <a:rPr lang="en-US" sz="2000"/>
+              <a:rPr lang="en-US" sz="2000">
+                <a:latin typeface="Arial" charset="0"/>
+              </a:rPr>
               <a:t>JobEntry</a:t>
             </a:r>
           </a:p>
@@ -5052,7 +4759,7 @@
       </p:sp>
       <p:sp>
         <p:nvSpPr>
-          <p:cNvPr id="14347" name="Rectangle 13"/>
+          <p:cNvPr id="14" name="Rectangle 13"/>
           <p:cNvSpPr>
             <a:spLocks noChangeArrowheads="1"/>
           </p:cNvSpPr>
@@ -5075,18 +4782,24 @@
             <a:headEnd/>
             <a:tailEnd/>
           </a:ln>
+          <a:effectLst/>
         </p:spPr>
         <p:txBody>
           <a:bodyPr wrap="none" anchor="ctr"/>
           <a:lstStyle/>
           <a:p>
             <a:pPr algn="ctr">
+              <a:lnSpc>
+                <a:spcPct val="100000"/>
+              </a:lnSpc>
               <a:spcBef>
                 <a:spcPct val="50000"/>
               </a:spcBef>
             </a:pPr>
             <a:r>
-              <a:rPr lang="en-US" sz="2000"/>
+              <a:rPr lang="en-US" sz="2000">
+                <a:latin typeface="Arial" charset="0"/>
+              </a:rPr>
               <a:t>Company</a:t>
             </a:r>
           </a:p>
@@ -5094,11 +4807,11 @@
       </p:sp>
       <p:cxnSp>
         <p:nvCxnSpPr>
-          <p:cNvPr id="14348" name="AutoShape 14"/>
+          <p:cNvPr id="15" name="AutoShape 14"/>
           <p:cNvCxnSpPr>
             <a:cxnSpLocks noChangeShapeType="1"/>
-            <a:stCxn id="14346" idx="2"/>
-            <a:endCxn id="14347" idx="0"/>
+            <a:stCxn id="13" idx="2"/>
+            <a:endCxn id="14" idx="0"/>
           </p:cNvCxnSpPr>
           <p:nvPr/>
         </p:nvCxnSpPr>
@@ -5119,11 +4832,12 @@
             <a:headEnd type="none" w="lg" len="lg"/>
             <a:tailEnd type="none" w="lg" len="lg"/>
           </a:ln>
+          <a:effectLst/>
         </p:spPr>
       </p:cxnSp>
       <p:grpSp>
         <p:nvGrpSpPr>
-          <p:cNvPr id="14349" name="Group 15"/>
+          <p:cNvPr id="16" name="Group 15"/>
           <p:cNvGrpSpPr>
             <a:grpSpLocks/>
           </p:cNvGrpSpPr>
@@ -5139,7 +4853,7 @@
         </p:grpSpPr>
         <p:sp>
           <p:nvSpPr>
-            <p:cNvPr id="14362" name="Line 16"/>
+            <p:cNvPr id="17" name="Line 16"/>
             <p:cNvSpPr>
               <a:spLocks noChangeShapeType="1"/>
             </p:cNvSpPr>
@@ -5162,6 +4876,7 @@
               <a:headEnd/>
               <a:tailEnd/>
             </a:ln>
+            <a:effectLst/>
           </p:spPr>
           <p:txBody>
             <a:bodyPr anchor="ctr"/>
@@ -5173,7 +4888,7 @@
         </p:sp>
         <p:sp>
           <p:nvSpPr>
-            <p:cNvPr id="14363" name="Line 17"/>
+            <p:cNvPr id="18" name="Line 17"/>
             <p:cNvSpPr>
               <a:spLocks noChangeShapeType="1"/>
             </p:cNvSpPr>
@@ -5196,6 +4911,7 @@
               <a:headEnd/>
               <a:tailEnd/>
             </a:ln>
+            <a:effectLst/>
           </p:spPr>
           <p:txBody>
             <a:bodyPr anchor="ctr"/>
@@ -5208,7 +4924,7 @@
       </p:grpSp>
       <p:sp>
         <p:nvSpPr>
-          <p:cNvPr id="14350" name="Text Box 18"/>
+          <p:cNvPr id="19" name="Text Box 18"/>
           <p:cNvSpPr txBox="1">
             <a:spLocks noChangeArrowheads="1"/>
           </p:cNvSpPr>
@@ -5229,6 +4945,7 @@
             <a:headEnd type="none" w="lg" len="lg"/>
             <a:tailEnd type="none" w="lg" len="lg"/>
           </a:ln>
+          <a:effectLst/>
         </p:spPr>
         <p:txBody>
           <a:bodyPr>
@@ -5245,14 +4962,20 @@
               </a:spcBef>
             </a:pPr>
             <a:r>
-              <a:rPr lang="en-US"/>
+              <a:rPr lang="en-US">
+                <a:latin typeface="Arial" charset="0"/>
+              </a:rPr>
               <a:t>occurred</a:t>
             </a:r>
             <a:br>
-              <a:rPr lang="en-US"/>
+              <a:rPr lang="en-US">
+                <a:latin typeface="Arial" charset="0"/>
+              </a:rPr>
             </a:br>
             <a:r>
-              <a:rPr lang="en-US"/>
+              <a:rPr lang="en-US">
+                <a:latin typeface="Arial" charset="0"/>
+              </a:rPr>
               <a:t>at</a:t>
             </a:r>
           </a:p>
@@ -5260,7 +4983,7 @@
       </p:sp>
       <p:sp>
         <p:nvSpPr>
-          <p:cNvPr id="14351" name="Text Box 19"/>
+          <p:cNvPr id="20" name="Text Box 19"/>
           <p:cNvSpPr txBox="1">
             <a:spLocks noChangeArrowheads="1"/>
           </p:cNvSpPr>
@@ -5281,6 +5004,7 @@
             <a:headEnd type="none" w="lg" len="lg"/>
             <a:tailEnd type="none" w="lg" len="lg"/>
           </a:ln>
+          <a:effectLst/>
         </p:spPr>
         <p:txBody>
           <a:bodyPr>
@@ -5294,7 +5018,9 @@
               </a:lnSpc>
             </a:pPr>
             <a:r>
-              <a:rPr lang="en-US" u="sng"/>
+              <a:rPr lang="en-US" u="sng">
+                <a:latin typeface="Arial" charset="0"/>
+              </a:rPr>
               <a:t>compid</a:t>
             </a:r>
           </a:p>
@@ -5305,7 +5031,9 @@
               </a:lnSpc>
             </a:pPr>
             <a:r>
-              <a:rPr lang="en-US"/>
+              <a:rPr lang="en-US">
+                <a:latin typeface="Arial" charset="0"/>
+              </a:rPr>
               <a:t>compname</a:t>
             </a:r>
           </a:p>
@@ -5316,7 +5044,9 @@
               </a:lnSpc>
             </a:pPr>
             <a:r>
-              <a:rPr lang="en-US"/>
+              <a:rPr lang="en-US">
+                <a:latin typeface="Arial" charset="0"/>
+              </a:rPr>
               <a:t>industry</a:t>
             </a:r>
           </a:p>
@@ -5327,7 +5057,9 @@
               </a:lnSpc>
             </a:pPr>
             <a:r>
-              <a:rPr lang="en-US"/>
+              <a:rPr lang="en-US">
+                <a:latin typeface="Arial" charset="0"/>
+              </a:rPr>
               <a:t>descr</a:t>
             </a:r>
           </a:p>
@@ -5338,7 +5070,9 @@
               </a:lnSpc>
             </a:pPr>
             <a:r>
-              <a:rPr lang="en-US"/>
+              <a:rPr lang="en-US">
+                <a:latin typeface="Arial" charset="0"/>
+              </a:rPr>
               <a:t>status</a:t>
             </a:r>
           </a:p>
@@ -5346,7 +5080,7 @@
       </p:sp>
       <p:sp>
         <p:nvSpPr>
-          <p:cNvPr id="14352" name="Text Box 20"/>
+          <p:cNvPr id="21" name="Text Box 20"/>
           <p:cNvSpPr txBox="1">
             <a:spLocks noChangeArrowheads="1"/>
           </p:cNvSpPr>
@@ -5367,6 +5101,7 @@
             <a:headEnd type="none" w="lg" len="lg"/>
             <a:tailEnd type="none" w="lg" len="lg"/>
           </a:ln>
+          <a:effectLst/>
         </p:spPr>
         <p:txBody>
           <a:bodyPr>
@@ -5380,7 +5115,9 @@
               </a:lnSpc>
             </a:pPr>
             <a:r>
-              <a:rPr lang="en-US" u="sng"/>
+              <a:rPr lang="en-US" u="sng">
+                <a:latin typeface="Arial" charset="0"/>
+              </a:rPr>
               <a:t>entryid</a:t>
             </a:r>
           </a:p>
@@ -5391,7 +5128,9 @@
               </a:lnSpc>
             </a:pPr>
             <a:r>
-              <a:rPr lang="en-US"/>
+              <a:rPr lang="en-US">
+                <a:latin typeface="Arial" charset="0"/>
+              </a:rPr>
               <a:t>jobno</a:t>
             </a:r>
           </a:p>
@@ -5402,7 +5141,9 @@
               </a:lnSpc>
             </a:pPr>
             <a:r>
-              <a:rPr lang="en-US"/>
+              <a:rPr lang="en-US">
+                <a:latin typeface="Arial" charset="0"/>
+              </a:rPr>
               <a:t>title</a:t>
             </a:r>
           </a:p>
@@ -5413,7 +5154,9 @@
               </a:lnSpc>
             </a:pPr>
             <a:r>
-              <a:rPr lang="en-US"/>
+              <a:rPr lang="en-US">
+                <a:latin typeface="Arial" charset="0"/>
+              </a:rPr>
               <a:t>location</a:t>
             </a:r>
           </a:p>
@@ -5424,7 +5167,9 @@
               </a:lnSpc>
             </a:pPr>
             <a:r>
-              <a:rPr lang="en-US"/>
+              <a:rPr lang="en-US">
+                <a:latin typeface="Arial" charset="0"/>
+              </a:rPr>
               <a:t>startDate</a:t>
             </a:r>
           </a:p>
@@ -5435,7 +5180,9 @@
               </a:lnSpc>
             </a:pPr>
             <a:r>
-              <a:rPr lang="en-US"/>
+              <a:rPr lang="en-US">
+                <a:latin typeface="Arial" charset="0"/>
+              </a:rPr>
               <a:t>endDate</a:t>
             </a:r>
           </a:p>
@@ -5446,7 +5193,9 @@
               </a:lnSpc>
             </a:pPr>
             <a:r>
-              <a:rPr lang="en-US"/>
+              <a:rPr lang="en-US">
+                <a:latin typeface="Arial" charset="0"/>
+              </a:rPr>
               <a:t>details</a:t>
             </a:r>
           </a:p>
@@ -5454,11 +5203,11 @@
       </p:sp>
       <p:cxnSp>
         <p:nvCxnSpPr>
-          <p:cNvPr id="14353" name="AutoShape 21"/>
+          <p:cNvPr id="22" name="AutoShape 21"/>
           <p:cNvCxnSpPr>
             <a:cxnSpLocks noChangeShapeType="1"/>
-            <a:stCxn id="14339" idx="3"/>
-            <a:endCxn id="14346" idx="1"/>
+            <a:stCxn id="4" idx="3"/>
+            <a:endCxn id="13" idx="1"/>
           </p:cNvCxnSpPr>
           <p:nvPr/>
         </p:nvCxnSpPr>
@@ -5479,15 +5228,16 @@
             <a:headEnd/>
             <a:tailEnd type="none" w="lg" len="lg"/>
           </a:ln>
+          <a:effectLst/>
         </p:spPr>
       </p:cxnSp>
       <p:cxnSp>
         <p:nvCxnSpPr>
-          <p:cNvPr id="14354" name="AutoShape 22"/>
+          <p:cNvPr id="23" name="AutoShape 22"/>
           <p:cNvCxnSpPr>
             <a:cxnSpLocks noChangeShapeType="1"/>
-            <a:stCxn id="14340" idx="3"/>
-            <a:endCxn id="14347" idx="1"/>
+            <a:stCxn id="5" idx="3"/>
+            <a:endCxn id="14" idx="1"/>
           </p:cNvCxnSpPr>
           <p:nvPr/>
         </p:nvCxnSpPr>
@@ -5508,11 +5258,12 @@
             <a:headEnd/>
             <a:tailEnd type="none" w="lg" len="lg"/>
           </a:ln>
+          <a:effectLst/>
         </p:spPr>
       </p:cxnSp>
       <p:grpSp>
         <p:nvGrpSpPr>
-          <p:cNvPr id="14355" name="Group 23"/>
+          <p:cNvPr id="24" name="Group 23"/>
           <p:cNvGrpSpPr>
             <a:grpSpLocks/>
           </p:cNvGrpSpPr>
@@ -5528,7 +5279,7 @@
         </p:grpSpPr>
         <p:sp>
           <p:nvSpPr>
-            <p:cNvPr id="14360" name="Line 24"/>
+            <p:cNvPr id="25" name="Line 24"/>
             <p:cNvSpPr>
               <a:spLocks noChangeShapeType="1"/>
             </p:cNvSpPr>
@@ -5551,6 +5302,7 @@
               <a:headEnd/>
               <a:tailEnd/>
             </a:ln>
+            <a:effectLst/>
           </p:spPr>
           <p:txBody>
             <a:bodyPr anchor="ctr"/>
@@ -5562,7 +5314,7 @@
         </p:sp>
         <p:sp>
           <p:nvSpPr>
-            <p:cNvPr id="14361" name="Line 25"/>
+            <p:cNvPr id="26" name="Line 25"/>
             <p:cNvSpPr>
               <a:spLocks noChangeShapeType="1"/>
             </p:cNvSpPr>
@@ -5585,6 +5337,7 @@
               <a:headEnd/>
               <a:tailEnd/>
             </a:ln>
+            <a:effectLst/>
           </p:spPr>
           <p:txBody>
             <a:bodyPr anchor="ctr"/>
@@ -5615,22 +5368,39 @@
           <a:ln/>
         </p:spPr>
         <p:txBody>
-          <a:bodyPr anchor="ctr">
+          <a:bodyPr vert="horz" lIns="91440" tIns="45720" rIns="91440" bIns="45720" rtlCol="0" anchor="ctr">
             <a:normAutofit fontScale="70000" lnSpcReduction="20000"/>
           </a:bodyPr>
           <a:lstStyle/>
           <a:p>
-            <a:pPr algn="ctr" fontAlgn="auto">
+            <a:pPr marL="0" marR="0" lvl="0" indent="0" algn="ctr" defTabSz="914400" rtl="0" eaLnBrk="1" fontAlgn="auto" latinLnBrk="0" hangingPunct="1">
               <a:lnSpc>
                 <a:spcPct val="85000"/>
               </a:lnSpc>
+              <a:spcBef>
+                <a:spcPct val="0"/>
+              </a:spcBef>
               <a:spcAft>
                 <a:spcPts val="0"/>
               </a:spcAft>
+              <a:buClrTx/>
+              <a:buSzTx/>
+              <a:buFontTx/>
+              <a:buNone/>
+              <a:tabLst/>
               <a:defRPr/>
             </a:pPr>
             <a:r>
-              <a:rPr lang="en-US" sz="4400">
+              <a:rPr kumimoji="0" lang="en-US" sz="4400" b="0" i="0" u="none" strike="noStrike" kern="1200" cap="none" spc="0" normalizeH="0" baseline="0" noProof="0" smtClean="0">
+                <a:ln>
+                  <a:noFill/>
+                </a:ln>
+                <a:solidFill>
+                  <a:schemeClr val="tx1"/>
+                </a:solidFill>
+                <a:effectLst/>
+                <a:uLnTx/>
+                <a:uFillTx/>
                 <a:latin typeface="+mj-lt"/>
                 <a:ea typeface="+mj-ea"/>
                 <a:cs typeface="+mj-cs"/>
@@ -5638,21 +5408,48 @@
               <a:t>Job Board Application: </a:t>
             </a:r>
             <a:br>
-              <a:rPr lang="en-US" sz="4400">
+              <a:rPr kumimoji="0" lang="en-US" sz="4400" b="0" i="0" u="none" strike="noStrike" kern="1200" cap="none" spc="0" normalizeH="0" baseline="0" noProof="0" smtClean="0">
+                <a:ln>
+                  <a:noFill/>
+                </a:ln>
+                <a:solidFill>
+                  <a:schemeClr val="tx1"/>
+                </a:solidFill>
+                <a:effectLst/>
+                <a:uLnTx/>
+                <a:uFillTx/>
                 <a:latin typeface="+mj-lt"/>
                 <a:ea typeface="+mj-ea"/>
                 <a:cs typeface="+mj-cs"/>
               </a:rPr>
             </a:br>
             <a:r>
-              <a:rPr lang="en-US" sz="4400">
+              <a:rPr kumimoji="0" lang="en-US" sz="4400" b="0" i="0" u="none" strike="noStrike" kern="1200" cap="none" spc="0" normalizeH="0" baseline="0" noProof="0" smtClean="0">
+                <a:ln>
+                  <a:noFill/>
+                </a:ln>
+                <a:solidFill>
+                  <a:schemeClr val="tx1"/>
+                </a:solidFill>
+                <a:effectLst/>
+                <a:uLnTx/>
+                <a:uFillTx/>
                 <a:latin typeface="+mj-lt"/>
                 <a:ea typeface="+mj-ea"/>
                 <a:cs typeface="+mj-cs"/>
               </a:rPr>
               <a:t>Detailed ER Diagram</a:t>
             </a:r>
-            <a:endParaRPr lang="en-US" sz="4400" dirty="0">
+            <a:endParaRPr kumimoji="0" lang="en-US" sz="4400" b="0" i="0" u="none" strike="noStrike" kern="1200" cap="none" spc="0" normalizeH="0" baseline="0" noProof="0" dirty="0" smtClean="0">
+              <a:ln>
+                <a:noFill/>
+              </a:ln>
+              <a:solidFill>
+                <a:schemeClr val="tx1"/>
+              </a:solidFill>
+              <a:effectLst/>
+              <a:uLnTx/>
+              <a:uFillTx/>
               <a:latin typeface="+mj-lt"/>
               <a:ea typeface="+mj-ea"/>
               <a:cs typeface="+mj-cs"/>
@@ -5662,7 +5459,7 @@
       </p:sp>
       <p:sp>
         <p:nvSpPr>
-          <p:cNvPr id="14357" name="Line 29"/>
+          <p:cNvPr id="28" name="Line 29"/>
           <p:cNvSpPr>
             <a:spLocks noChangeShapeType="1"/>
           </p:cNvSpPr>
@@ -5685,6 +5482,7 @@
             <a:headEnd/>
             <a:tailEnd/>
           </a:ln>
+          <a:effectLst/>
         </p:spPr>
         <p:txBody>
           <a:bodyPr wrap="none" anchor="ctr"/>
@@ -5696,7 +5494,7 @@
       </p:sp>
       <p:sp>
         <p:nvSpPr>
-          <p:cNvPr id="14358" name="Line 30"/>
+          <p:cNvPr id="29" name="Line 30"/>
           <p:cNvSpPr>
             <a:spLocks noChangeShapeType="1"/>
           </p:cNvSpPr>
@@ -5719,6 +5517,7 @@
             <a:headEnd/>
             <a:tailEnd/>
           </a:ln>
+          <a:effectLst/>
         </p:spPr>
         <p:txBody>
           <a:bodyPr wrap="none" anchor="ctr"/>
@@ -5730,7 +5529,7 @@
       </p:sp>
       <p:sp>
         <p:nvSpPr>
-          <p:cNvPr id="14359" name="Line 31"/>
+          <p:cNvPr id="30" name="Line 31"/>
           <p:cNvSpPr>
             <a:spLocks noChangeShapeType="1"/>
           </p:cNvSpPr>
@@ -5753,6 +5552,7 @@
             <a:headEnd/>
             <a:tailEnd/>
           </a:ln>
+          <a:effectLst/>
         </p:spPr>
         <p:txBody>
           <a:bodyPr wrap="none" anchor="ctr"/>
@@ -5762,2302 +5562,6 @@
           </a:p>
         </p:txBody>
       </p:sp>
-    </p:spTree>
-  </p:cSld>
-  <p:clrMapOvr>
-    <a:masterClrMapping/>
-  </p:clrMapOvr>
-</p:sld>
-</file>
-
-<file path=ppt/slides/slide3.xml><?xml version="1.0" encoding="utf-8"?>
-<p:sld xmlns:a="http://schemas.openxmlformats.org/drawingml/2006/main" xmlns:r="http://schemas.openxmlformats.org/officeDocument/2006/relationships" xmlns:p="http://schemas.openxmlformats.org/presentationml/2006/main">
-  <p:cSld>
-    <p:spTree>
-      <p:nvGrpSpPr>
-        <p:cNvPr id="1" name=""/>
-        <p:cNvGrpSpPr/>
-        <p:nvPr/>
-      </p:nvGrpSpPr>
-      <p:grpSpPr>
-        <a:xfrm>
-          <a:off x="0" y="0"/>
-          <a:ext cx="0" cy="0"/>
-          <a:chOff x="0" y="0"/>
-          <a:chExt cx="0" cy="0"/>
-        </a:xfrm>
-      </p:grpSpPr>
-      <p:grpSp>
-        <p:nvGrpSpPr>
-          <p:cNvPr id="15448" name="Group 88"/>
-          <p:cNvGrpSpPr>
-            <a:grpSpLocks/>
-          </p:cNvGrpSpPr>
-          <p:nvPr/>
-        </p:nvGrpSpPr>
-        <p:grpSpPr bwMode="auto">
-          <a:xfrm>
-            <a:off x="1635125" y="1524000"/>
-            <a:ext cx="4933950" cy="3016250"/>
-            <a:chOff x="1000" y="960"/>
-            <a:chExt cx="4643" cy="2824"/>
-          </a:xfrm>
-        </p:grpSpPr>
-        <p:grpSp>
-          <p:nvGrpSpPr>
-            <p:cNvPr id="15374" name="Group 14"/>
-            <p:cNvGrpSpPr>
-              <a:grpSpLocks/>
-            </p:cNvGrpSpPr>
-            <p:nvPr/>
-          </p:nvGrpSpPr>
-          <p:grpSpPr bwMode="auto">
-            <a:xfrm>
-              <a:off x="1000" y="1872"/>
-              <a:ext cx="652" cy="808"/>
-              <a:chOff x="988" y="960"/>
-              <a:chExt cx="652" cy="1170"/>
-            </a:xfrm>
-          </p:grpSpPr>
-          <p:grpSp>
-            <p:nvGrpSpPr>
-              <p:cNvPr id="15365" name="Group 5"/>
-              <p:cNvGrpSpPr>
-                <a:grpSpLocks/>
-              </p:cNvGrpSpPr>
-              <p:nvPr/>
-            </p:nvGrpSpPr>
-            <p:grpSpPr bwMode="auto">
-              <a:xfrm>
-                <a:off x="1152" y="960"/>
-                <a:ext cx="318" cy="613"/>
-                <a:chOff x="2002" y="1676"/>
-                <a:chExt cx="318" cy="613"/>
-              </a:xfrm>
-            </p:grpSpPr>
-            <p:sp>
-              <p:nvSpPr>
-                <p:cNvPr id="15366" name="Oval 6"/>
-                <p:cNvSpPr>
-                  <a:spLocks noChangeArrowheads="1"/>
-                </p:cNvSpPr>
-                <p:nvPr/>
-              </p:nvSpPr>
-              <p:spPr bwMode="auto">
-                <a:xfrm>
-                  <a:off x="2100" y="1676"/>
-                  <a:ext cx="128" cy="128"/>
-                </a:xfrm>
-                <a:prstGeom prst="ellipse">
-                  <a:avLst/>
-                </a:prstGeom>
-                <a:solidFill>
-                  <a:srgbClr val="ECD10A"/>
-                </a:solidFill>
-                <a:ln w="28575">
-                  <a:solidFill>
-                    <a:schemeClr val="tx1"/>
-                  </a:solidFill>
-                  <a:round/>
-                  <a:headEnd/>
-                  <a:tailEnd type="none" w="lg" len="lg"/>
-                </a:ln>
-                <a:effectLst/>
-              </p:spPr>
-              <p:txBody>
-                <a:bodyPr wrap="none" anchor="ctr"/>
-                <a:lstStyle/>
-                <a:p>
-                  <a:endParaRPr lang="en-US"/>
-                </a:p>
-              </p:txBody>
-            </p:sp>
-            <p:cxnSp>
-              <p:nvCxnSpPr>
-                <p:cNvPr id="15367" name="AutoShape 7"/>
-                <p:cNvCxnSpPr>
-                  <a:cxnSpLocks noChangeShapeType="1"/>
-                  <a:stCxn id="15366" idx="4"/>
-                </p:cNvCxnSpPr>
-                <p:nvPr/>
-              </p:nvCxnSpPr>
-              <p:spPr bwMode="auto">
-                <a:xfrm flipH="1">
-                  <a:off x="2161" y="1813"/>
-                  <a:ext cx="3" cy="267"/>
-                </a:xfrm>
-                <a:prstGeom prst="straightConnector1">
-                  <a:avLst/>
-                </a:prstGeom>
-                <a:noFill/>
-                <a:ln w="28575">
-                  <a:solidFill>
-                    <a:schemeClr val="tx1"/>
-                  </a:solidFill>
-                  <a:round/>
-                  <a:headEnd/>
-                  <a:tailEnd type="none" w="lg" len="lg"/>
-                </a:ln>
-                <a:effectLst/>
-              </p:spPr>
-            </p:cxnSp>
-            <p:sp>
-              <p:nvSpPr>
-                <p:cNvPr id="15368" name="Line 8"/>
-                <p:cNvSpPr>
-                  <a:spLocks noChangeShapeType="1"/>
-                </p:cNvSpPr>
-                <p:nvPr/>
-              </p:nvSpPr>
-              <p:spPr bwMode="auto">
-                <a:xfrm flipV="1">
-                  <a:off x="2041" y="2080"/>
-                  <a:ext cx="120" cy="206"/>
-                </a:xfrm>
-                <a:prstGeom prst="line">
-                  <a:avLst/>
-                </a:prstGeom>
-                <a:noFill/>
-                <a:ln w="28575">
-                  <a:solidFill>
-                    <a:schemeClr val="tx1"/>
-                  </a:solidFill>
-                  <a:round/>
-                  <a:headEnd/>
-                  <a:tailEnd type="none" w="lg" len="lg"/>
-                </a:ln>
-                <a:effectLst/>
-              </p:spPr>
-              <p:txBody>
-                <a:bodyPr anchor="ctr"/>
-                <a:lstStyle/>
-                <a:p>
-                  <a:endParaRPr lang="en-US"/>
-                </a:p>
-              </p:txBody>
-            </p:sp>
-            <p:sp>
-              <p:nvSpPr>
-                <p:cNvPr id="15369" name="Line 9"/>
-                <p:cNvSpPr>
-                  <a:spLocks noChangeShapeType="1"/>
-                </p:cNvSpPr>
-                <p:nvPr/>
-              </p:nvSpPr>
-              <p:spPr bwMode="auto">
-                <a:xfrm flipH="1" flipV="1">
-                  <a:off x="2161" y="2083"/>
-                  <a:ext cx="120" cy="206"/>
-                </a:xfrm>
-                <a:prstGeom prst="line">
-                  <a:avLst/>
-                </a:prstGeom>
-                <a:noFill/>
-                <a:ln w="28575">
-                  <a:solidFill>
-                    <a:schemeClr val="tx1"/>
-                  </a:solidFill>
-                  <a:round/>
-                  <a:headEnd/>
-                  <a:tailEnd type="none" w="lg" len="lg"/>
-                </a:ln>
-                <a:effectLst/>
-              </p:spPr>
-              <p:txBody>
-                <a:bodyPr anchor="ctr"/>
-                <a:lstStyle/>
-                <a:p>
-                  <a:endParaRPr lang="en-US"/>
-                </a:p>
-              </p:txBody>
-            </p:sp>
-            <p:sp>
-              <p:nvSpPr>
-                <p:cNvPr id="15370" name="Line 10"/>
-                <p:cNvSpPr>
-                  <a:spLocks noChangeShapeType="1"/>
-                </p:cNvSpPr>
-                <p:nvPr/>
-              </p:nvSpPr>
-              <p:spPr bwMode="auto">
-                <a:xfrm>
-                  <a:off x="2002" y="1877"/>
-                  <a:ext cx="318" cy="0"/>
-                </a:xfrm>
-                <a:prstGeom prst="line">
-                  <a:avLst/>
-                </a:prstGeom>
-                <a:noFill/>
-                <a:ln w="28575">
-                  <a:solidFill>
-                    <a:schemeClr val="tx1"/>
-                  </a:solidFill>
-                  <a:round/>
-                  <a:headEnd/>
-                  <a:tailEnd type="none" w="lg" len="lg"/>
-                </a:ln>
-                <a:effectLst/>
-              </p:spPr>
-              <p:txBody>
-                <a:bodyPr anchor="ctr"/>
-                <a:lstStyle/>
-                <a:p>
-                  <a:endParaRPr lang="en-US"/>
-                </a:p>
-              </p:txBody>
-            </p:sp>
-            <p:sp>
-              <p:nvSpPr>
-                <p:cNvPr id="15371" name="Rectangle 11"/>
-                <p:cNvSpPr>
-                  <a:spLocks noChangeArrowheads="1"/>
-                </p:cNvSpPr>
-                <p:nvPr/>
-              </p:nvSpPr>
-              <p:spPr bwMode="auto">
-                <a:xfrm>
-                  <a:off x="2002" y="1676"/>
-                  <a:ext cx="318" cy="613"/>
-                </a:xfrm>
-                <a:prstGeom prst="rect">
-                  <a:avLst/>
-                </a:prstGeom>
-                <a:noFill/>
-                <a:ln w="28575">
-                  <a:noFill/>
-                  <a:miter lim="800000"/>
-                  <a:headEnd/>
-                  <a:tailEnd type="none" w="lg" len="lg"/>
-                </a:ln>
-                <a:effectLst/>
-              </p:spPr>
-              <p:txBody>
-                <a:bodyPr wrap="none" anchor="ctr"/>
-                <a:lstStyle/>
-                <a:p>
-                  <a:endParaRPr lang="en-US"/>
-                </a:p>
-              </p:txBody>
-            </p:sp>
-          </p:grpSp>
-          <p:sp>
-            <p:nvSpPr>
-              <p:cNvPr id="15373" name="Text Box 13"/>
-              <p:cNvSpPr txBox="1">
-                <a:spLocks noChangeArrowheads="1"/>
-              </p:cNvSpPr>
-              <p:nvPr/>
-            </p:nvSpPr>
-            <p:spPr bwMode="auto">
-              <a:xfrm>
-                <a:off x="988" y="1632"/>
-                <a:ext cx="652" cy="498"/>
-              </a:xfrm>
-              <a:prstGeom prst="rect">
-                <a:avLst/>
-              </a:prstGeom>
-              <a:noFill/>
-              <a:ln w="9525">
-                <a:noFill/>
-                <a:miter lim="800000"/>
-                <a:headEnd/>
-                <a:tailEnd/>
-              </a:ln>
-              <a:effectLst/>
-            </p:spPr>
-            <p:txBody>
-              <a:bodyPr wrap="none">
-                <a:spAutoFit/>
-              </a:bodyPr>
-              <a:lstStyle/>
-              <a:p>
-                <a:pPr algn="ctr"/>
-                <a:r>
-                  <a:rPr lang="en-US" b="1"/>
-                  <a:t>User</a:t>
-                </a:r>
-              </a:p>
-            </p:txBody>
-          </p:sp>
-        </p:grpSp>
-        <p:grpSp>
-          <p:nvGrpSpPr>
-            <p:cNvPr id="15384" name="Group 24"/>
-            <p:cNvGrpSpPr>
-              <a:grpSpLocks/>
-            </p:cNvGrpSpPr>
-            <p:nvPr/>
-          </p:nvGrpSpPr>
-          <p:grpSpPr bwMode="auto">
-            <a:xfrm>
-              <a:off x="1704" y="1200"/>
-              <a:ext cx="1678" cy="808"/>
-              <a:chOff x="476" y="960"/>
-              <a:chExt cx="1678" cy="1169"/>
-            </a:xfrm>
-          </p:grpSpPr>
-          <p:grpSp>
-            <p:nvGrpSpPr>
-              <p:cNvPr id="15385" name="Group 25"/>
-              <p:cNvGrpSpPr>
-                <a:grpSpLocks/>
-              </p:cNvGrpSpPr>
-              <p:nvPr/>
-            </p:nvGrpSpPr>
-            <p:grpSpPr bwMode="auto">
-              <a:xfrm>
-                <a:off x="1152" y="960"/>
-                <a:ext cx="318" cy="613"/>
-                <a:chOff x="2002" y="1676"/>
-                <a:chExt cx="318" cy="613"/>
-              </a:xfrm>
-            </p:grpSpPr>
-            <p:sp>
-              <p:nvSpPr>
-                <p:cNvPr id="15386" name="Oval 26"/>
-                <p:cNvSpPr>
-                  <a:spLocks noChangeArrowheads="1"/>
-                </p:cNvSpPr>
-                <p:nvPr/>
-              </p:nvSpPr>
-              <p:spPr bwMode="auto">
-                <a:xfrm>
-                  <a:off x="2100" y="1676"/>
-                  <a:ext cx="128" cy="128"/>
-                </a:xfrm>
-                <a:prstGeom prst="ellipse">
-                  <a:avLst/>
-                </a:prstGeom>
-                <a:solidFill>
-                  <a:srgbClr val="ECD10A"/>
-                </a:solidFill>
-                <a:ln w="28575">
-                  <a:solidFill>
-                    <a:schemeClr val="tx1"/>
-                  </a:solidFill>
-                  <a:round/>
-                  <a:headEnd/>
-                  <a:tailEnd type="none" w="lg" len="lg"/>
-                </a:ln>
-                <a:effectLst/>
-              </p:spPr>
-              <p:txBody>
-                <a:bodyPr wrap="none" anchor="ctr"/>
-                <a:lstStyle/>
-                <a:p>
-                  <a:endParaRPr lang="en-US"/>
-                </a:p>
-              </p:txBody>
-            </p:sp>
-            <p:cxnSp>
-              <p:nvCxnSpPr>
-                <p:cNvPr id="15387" name="AutoShape 27"/>
-                <p:cNvCxnSpPr>
-                  <a:cxnSpLocks noChangeShapeType="1"/>
-                  <a:stCxn id="15386" idx="4"/>
-                </p:cNvCxnSpPr>
-                <p:nvPr/>
-              </p:nvCxnSpPr>
-              <p:spPr bwMode="auto">
-                <a:xfrm flipH="1">
-                  <a:off x="2161" y="1813"/>
-                  <a:ext cx="3" cy="267"/>
-                </a:xfrm>
-                <a:prstGeom prst="straightConnector1">
-                  <a:avLst/>
-                </a:prstGeom>
-                <a:noFill/>
-                <a:ln w="28575">
-                  <a:solidFill>
-                    <a:schemeClr val="tx1"/>
-                  </a:solidFill>
-                  <a:round/>
-                  <a:headEnd/>
-                  <a:tailEnd type="none" w="lg" len="lg"/>
-                </a:ln>
-                <a:effectLst/>
-              </p:spPr>
-            </p:cxnSp>
-            <p:sp>
-              <p:nvSpPr>
-                <p:cNvPr id="15388" name="Line 28"/>
-                <p:cNvSpPr>
-                  <a:spLocks noChangeShapeType="1"/>
-                </p:cNvSpPr>
-                <p:nvPr/>
-              </p:nvSpPr>
-              <p:spPr bwMode="auto">
-                <a:xfrm flipV="1">
-                  <a:off x="2041" y="2080"/>
-                  <a:ext cx="120" cy="206"/>
-                </a:xfrm>
-                <a:prstGeom prst="line">
-                  <a:avLst/>
-                </a:prstGeom>
-                <a:noFill/>
-                <a:ln w="28575">
-                  <a:solidFill>
-                    <a:schemeClr val="tx1"/>
-                  </a:solidFill>
-                  <a:round/>
-                  <a:headEnd/>
-                  <a:tailEnd type="none" w="lg" len="lg"/>
-                </a:ln>
-                <a:effectLst/>
-              </p:spPr>
-              <p:txBody>
-                <a:bodyPr anchor="ctr"/>
-                <a:lstStyle/>
-                <a:p>
-                  <a:endParaRPr lang="en-US"/>
-                </a:p>
-              </p:txBody>
-            </p:sp>
-            <p:sp>
-              <p:nvSpPr>
-                <p:cNvPr id="15389" name="Line 29"/>
-                <p:cNvSpPr>
-                  <a:spLocks noChangeShapeType="1"/>
-                </p:cNvSpPr>
-                <p:nvPr/>
-              </p:nvSpPr>
-              <p:spPr bwMode="auto">
-                <a:xfrm flipH="1" flipV="1">
-                  <a:off x="2161" y="2083"/>
-                  <a:ext cx="120" cy="206"/>
-                </a:xfrm>
-                <a:prstGeom prst="line">
-                  <a:avLst/>
-                </a:prstGeom>
-                <a:noFill/>
-                <a:ln w="28575">
-                  <a:solidFill>
-                    <a:schemeClr val="tx1"/>
-                  </a:solidFill>
-                  <a:round/>
-                  <a:headEnd/>
-                  <a:tailEnd type="none" w="lg" len="lg"/>
-                </a:ln>
-                <a:effectLst/>
-              </p:spPr>
-              <p:txBody>
-                <a:bodyPr anchor="ctr"/>
-                <a:lstStyle/>
-                <a:p>
-                  <a:endParaRPr lang="en-US"/>
-                </a:p>
-              </p:txBody>
-            </p:sp>
-            <p:sp>
-              <p:nvSpPr>
-                <p:cNvPr id="15390" name="Line 30"/>
-                <p:cNvSpPr>
-                  <a:spLocks noChangeShapeType="1"/>
-                </p:cNvSpPr>
-                <p:nvPr/>
-              </p:nvSpPr>
-              <p:spPr bwMode="auto">
-                <a:xfrm>
-                  <a:off x="2002" y="1877"/>
-                  <a:ext cx="318" cy="0"/>
-                </a:xfrm>
-                <a:prstGeom prst="line">
-                  <a:avLst/>
-                </a:prstGeom>
-                <a:noFill/>
-                <a:ln w="28575">
-                  <a:solidFill>
-                    <a:schemeClr val="tx1"/>
-                  </a:solidFill>
-                  <a:round/>
-                  <a:headEnd/>
-                  <a:tailEnd type="none" w="lg" len="lg"/>
-                </a:ln>
-                <a:effectLst/>
-              </p:spPr>
-              <p:txBody>
-                <a:bodyPr anchor="ctr"/>
-                <a:lstStyle/>
-                <a:p>
-                  <a:endParaRPr lang="en-US"/>
-                </a:p>
-              </p:txBody>
-            </p:sp>
-            <p:sp>
-              <p:nvSpPr>
-                <p:cNvPr id="15391" name="Rectangle 31"/>
-                <p:cNvSpPr>
-                  <a:spLocks noChangeArrowheads="1"/>
-                </p:cNvSpPr>
-                <p:nvPr/>
-              </p:nvSpPr>
-              <p:spPr bwMode="auto">
-                <a:xfrm>
-                  <a:off x="2002" y="1676"/>
-                  <a:ext cx="318" cy="613"/>
-                </a:xfrm>
-                <a:prstGeom prst="rect">
-                  <a:avLst/>
-                </a:prstGeom>
-                <a:noFill/>
-                <a:ln w="28575">
-                  <a:noFill/>
-                  <a:miter lim="800000"/>
-                  <a:headEnd/>
-                  <a:tailEnd type="none" w="lg" len="lg"/>
-                </a:ln>
-                <a:effectLst/>
-              </p:spPr>
-              <p:txBody>
-                <a:bodyPr wrap="none" anchor="ctr"/>
-                <a:lstStyle/>
-                <a:p>
-                  <a:endParaRPr lang="en-US"/>
-                </a:p>
-              </p:txBody>
-            </p:sp>
-          </p:grpSp>
-          <p:sp>
-            <p:nvSpPr>
-              <p:cNvPr id="15392" name="Text Box 32"/>
-              <p:cNvSpPr txBox="1">
-                <a:spLocks noChangeArrowheads="1"/>
-              </p:cNvSpPr>
-              <p:nvPr/>
-            </p:nvSpPr>
-            <p:spPr bwMode="auto">
-              <a:xfrm>
-                <a:off x="476" y="1633"/>
-                <a:ext cx="1678" cy="496"/>
-              </a:xfrm>
-              <a:prstGeom prst="rect">
-                <a:avLst/>
-              </a:prstGeom>
-              <a:noFill/>
-              <a:ln w="9525">
-                <a:noFill/>
-                <a:miter lim="800000"/>
-                <a:headEnd/>
-                <a:tailEnd/>
-              </a:ln>
-              <a:effectLst/>
-            </p:spPr>
-            <p:txBody>
-              <a:bodyPr wrap="none">
-                <a:spAutoFit/>
-              </a:bodyPr>
-              <a:lstStyle/>
-              <a:p>
-                <a:pPr algn="ctr"/>
-                <a:r>
-                  <a:rPr lang="en-US" b="1"/>
-                  <a:t>Unknown User</a:t>
-                </a:r>
-              </a:p>
-            </p:txBody>
-          </p:sp>
-        </p:grpSp>
-        <p:grpSp>
-          <p:nvGrpSpPr>
-            <p:cNvPr id="15393" name="Group 33"/>
-            <p:cNvGrpSpPr>
-              <a:grpSpLocks/>
-            </p:cNvGrpSpPr>
-            <p:nvPr/>
-          </p:nvGrpSpPr>
-          <p:grpSpPr bwMode="auto">
-            <a:xfrm>
-              <a:off x="1877" y="2064"/>
-              <a:ext cx="1428" cy="808"/>
-              <a:chOff x="601" y="960"/>
-              <a:chExt cx="1428" cy="1170"/>
-            </a:xfrm>
-          </p:grpSpPr>
-          <p:grpSp>
-            <p:nvGrpSpPr>
-              <p:cNvPr id="15394" name="Group 34"/>
-              <p:cNvGrpSpPr>
-                <a:grpSpLocks/>
-              </p:cNvGrpSpPr>
-              <p:nvPr/>
-            </p:nvGrpSpPr>
-            <p:grpSpPr bwMode="auto">
-              <a:xfrm>
-                <a:off x="1152" y="960"/>
-                <a:ext cx="318" cy="613"/>
-                <a:chOff x="2002" y="1676"/>
-                <a:chExt cx="318" cy="613"/>
-              </a:xfrm>
-            </p:grpSpPr>
-            <p:sp>
-              <p:nvSpPr>
-                <p:cNvPr id="15395" name="Oval 35"/>
-                <p:cNvSpPr>
-                  <a:spLocks noChangeArrowheads="1"/>
-                </p:cNvSpPr>
-                <p:nvPr/>
-              </p:nvSpPr>
-              <p:spPr bwMode="auto">
-                <a:xfrm>
-                  <a:off x="2100" y="1676"/>
-                  <a:ext cx="128" cy="128"/>
-                </a:xfrm>
-                <a:prstGeom prst="ellipse">
-                  <a:avLst/>
-                </a:prstGeom>
-                <a:solidFill>
-                  <a:srgbClr val="ECD10A"/>
-                </a:solidFill>
-                <a:ln w="28575">
-                  <a:solidFill>
-                    <a:schemeClr val="tx1"/>
-                  </a:solidFill>
-                  <a:round/>
-                  <a:headEnd/>
-                  <a:tailEnd type="none" w="lg" len="lg"/>
-                </a:ln>
-                <a:effectLst/>
-              </p:spPr>
-              <p:txBody>
-                <a:bodyPr wrap="none" anchor="ctr"/>
-                <a:lstStyle/>
-                <a:p>
-                  <a:endParaRPr lang="en-US"/>
-                </a:p>
-              </p:txBody>
-            </p:sp>
-            <p:cxnSp>
-              <p:nvCxnSpPr>
-                <p:cNvPr id="15396" name="AutoShape 36"/>
-                <p:cNvCxnSpPr>
-                  <a:cxnSpLocks noChangeShapeType="1"/>
-                  <a:stCxn id="15395" idx="4"/>
-                </p:cNvCxnSpPr>
-                <p:nvPr/>
-              </p:nvCxnSpPr>
-              <p:spPr bwMode="auto">
-                <a:xfrm flipH="1">
-                  <a:off x="2161" y="1813"/>
-                  <a:ext cx="3" cy="267"/>
-                </a:xfrm>
-                <a:prstGeom prst="straightConnector1">
-                  <a:avLst/>
-                </a:prstGeom>
-                <a:noFill/>
-                <a:ln w="28575">
-                  <a:solidFill>
-                    <a:schemeClr val="tx1"/>
-                  </a:solidFill>
-                  <a:round/>
-                  <a:headEnd/>
-                  <a:tailEnd type="none" w="lg" len="lg"/>
-                </a:ln>
-                <a:effectLst/>
-              </p:spPr>
-            </p:cxnSp>
-            <p:sp>
-              <p:nvSpPr>
-                <p:cNvPr id="15397" name="Line 37"/>
-                <p:cNvSpPr>
-                  <a:spLocks noChangeShapeType="1"/>
-                </p:cNvSpPr>
-                <p:nvPr/>
-              </p:nvSpPr>
-              <p:spPr bwMode="auto">
-                <a:xfrm flipV="1">
-                  <a:off x="2041" y="2080"/>
-                  <a:ext cx="120" cy="206"/>
-                </a:xfrm>
-                <a:prstGeom prst="line">
-                  <a:avLst/>
-                </a:prstGeom>
-                <a:noFill/>
-                <a:ln w="28575">
-                  <a:solidFill>
-                    <a:schemeClr val="tx1"/>
-                  </a:solidFill>
-                  <a:round/>
-                  <a:headEnd/>
-                  <a:tailEnd type="none" w="lg" len="lg"/>
-                </a:ln>
-                <a:effectLst/>
-              </p:spPr>
-              <p:txBody>
-                <a:bodyPr anchor="ctr"/>
-                <a:lstStyle/>
-                <a:p>
-                  <a:endParaRPr lang="en-US"/>
-                </a:p>
-              </p:txBody>
-            </p:sp>
-            <p:sp>
-              <p:nvSpPr>
-                <p:cNvPr id="15398" name="Line 38"/>
-                <p:cNvSpPr>
-                  <a:spLocks noChangeShapeType="1"/>
-                </p:cNvSpPr>
-                <p:nvPr/>
-              </p:nvSpPr>
-              <p:spPr bwMode="auto">
-                <a:xfrm flipH="1" flipV="1">
-                  <a:off x="2161" y="2083"/>
-                  <a:ext cx="120" cy="206"/>
-                </a:xfrm>
-                <a:prstGeom prst="line">
-                  <a:avLst/>
-                </a:prstGeom>
-                <a:noFill/>
-                <a:ln w="28575">
-                  <a:solidFill>
-                    <a:schemeClr val="tx1"/>
-                  </a:solidFill>
-                  <a:round/>
-                  <a:headEnd/>
-                  <a:tailEnd type="none" w="lg" len="lg"/>
-                </a:ln>
-                <a:effectLst/>
-              </p:spPr>
-              <p:txBody>
-                <a:bodyPr anchor="ctr"/>
-                <a:lstStyle/>
-                <a:p>
-                  <a:endParaRPr lang="en-US"/>
-                </a:p>
-              </p:txBody>
-            </p:sp>
-            <p:sp>
-              <p:nvSpPr>
-                <p:cNvPr id="15399" name="Line 39"/>
-                <p:cNvSpPr>
-                  <a:spLocks noChangeShapeType="1"/>
-                </p:cNvSpPr>
-                <p:nvPr/>
-              </p:nvSpPr>
-              <p:spPr bwMode="auto">
-                <a:xfrm>
-                  <a:off x="2002" y="1877"/>
-                  <a:ext cx="318" cy="0"/>
-                </a:xfrm>
-                <a:prstGeom prst="line">
-                  <a:avLst/>
-                </a:prstGeom>
-                <a:noFill/>
-                <a:ln w="28575">
-                  <a:solidFill>
-                    <a:schemeClr val="tx1"/>
-                  </a:solidFill>
-                  <a:round/>
-                  <a:headEnd/>
-                  <a:tailEnd type="none" w="lg" len="lg"/>
-                </a:ln>
-                <a:effectLst/>
-              </p:spPr>
-              <p:txBody>
-                <a:bodyPr anchor="ctr"/>
-                <a:lstStyle/>
-                <a:p>
-                  <a:endParaRPr lang="en-US"/>
-                </a:p>
-              </p:txBody>
-            </p:sp>
-            <p:sp>
-              <p:nvSpPr>
-                <p:cNvPr id="15400" name="Rectangle 40"/>
-                <p:cNvSpPr>
-                  <a:spLocks noChangeArrowheads="1"/>
-                </p:cNvSpPr>
-                <p:nvPr/>
-              </p:nvSpPr>
-              <p:spPr bwMode="auto">
-                <a:xfrm>
-                  <a:off x="2002" y="1676"/>
-                  <a:ext cx="318" cy="613"/>
-                </a:xfrm>
-                <a:prstGeom prst="rect">
-                  <a:avLst/>
-                </a:prstGeom>
-                <a:noFill/>
-                <a:ln w="28575">
-                  <a:noFill/>
-                  <a:miter lim="800000"/>
-                  <a:headEnd/>
-                  <a:tailEnd type="none" w="lg" len="lg"/>
-                </a:ln>
-                <a:effectLst/>
-              </p:spPr>
-              <p:txBody>
-                <a:bodyPr wrap="none" anchor="ctr"/>
-                <a:lstStyle/>
-                <a:p>
-                  <a:endParaRPr lang="en-US"/>
-                </a:p>
-              </p:txBody>
-            </p:sp>
-          </p:grpSp>
-          <p:sp>
-            <p:nvSpPr>
-              <p:cNvPr id="15401" name="Text Box 41"/>
-              <p:cNvSpPr txBox="1">
-                <a:spLocks noChangeArrowheads="1"/>
-              </p:cNvSpPr>
-              <p:nvPr/>
-            </p:nvSpPr>
-            <p:spPr bwMode="auto">
-              <a:xfrm>
-                <a:off x="601" y="1632"/>
-                <a:ext cx="1428" cy="498"/>
-              </a:xfrm>
-              <a:prstGeom prst="rect">
-                <a:avLst/>
-              </a:prstGeom>
-              <a:noFill/>
-              <a:ln w="9525">
-                <a:noFill/>
-                <a:miter lim="800000"/>
-                <a:headEnd/>
-                <a:tailEnd/>
-              </a:ln>
-              <a:effectLst/>
-            </p:spPr>
-            <p:txBody>
-              <a:bodyPr wrap="none">
-                <a:spAutoFit/>
-              </a:bodyPr>
-              <a:lstStyle/>
-              <a:p>
-                <a:pPr algn="ctr"/>
-                <a:r>
-                  <a:rPr lang="en-US" b="1"/>
-                  <a:t>Known User</a:t>
-                </a:r>
-              </a:p>
-            </p:txBody>
-          </p:sp>
-        </p:grpSp>
-        <p:grpSp>
-          <p:nvGrpSpPr>
-            <p:cNvPr id="15402" name="Group 42"/>
-            <p:cNvGrpSpPr>
-              <a:grpSpLocks/>
-            </p:cNvGrpSpPr>
-            <p:nvPr/>
-          </p:nvGrpSpPr>
-          <p:grpSpPr bwMode="auto">
-            <a:xfrm>
-              <a:off x="4059" y="2016"/>
-              <a:ext cx="1584" cy="808"/>
-              <a:chOff x="523" y="960"/>
-              <a:chExt cx="1584" cy="1169"/>
-            </a:xfrm>
-          </p:grpSpPr>
-          <p:grpSp>
-            <p:nvGrpSpPr>
-              <p:cNvPr id="15403" name="Group 43"/>
-              <p:cNvGrpSpPr>
-                <a:grpSpLocks/>
-              </p:cNvGrpSpPr>
-              <p:nvPr/>
-            </p:nvGrpSpPr>
-            <p:grpSpPr bwMode="auto">
-              <a:xfrm>
-                <a:off x="1152" y="960"/>
-                <a:ext cx="318" cy="613"/>
-                <a:chOff x="2002" y="1676"/>
-                <a:chExt cx="318" cy="613"/>
-              </a:xfrm>
-            </p:grpSpPr>
-            <p:sp>
-              <p:nvSpPr>
-                <p:cNvPr id="15404" name="Oval 44"/>
-                <p:cNvSpPr>
-                  <a:spLocks noChangeArrowheads="1"/>
-                </p:cNvSpPr>
-                <p:nvPr/>
-              </p:nvSpPr>
-              <p:spPr bwMode="auto">
-                <a:xfrm>
-                  <a:off x="2100" y="1676"/>
-                  <a:ext cx="128" cy="128"/>
-                </a:xfrm>
-                <a:prstGeom prst="ellipse">
-                  <a:avLst/>
-                </a:prstGeom>
-                <a:solidFill>
-                  <a:srgbClr val="ECD10A"/>
-                </a:solidFill>
-                <a:ln w="28575">
-                  <a:solidFill>
-                    <a:schemeClr val="tx1"/>
-                  </a:solidFill>
-                  <a:round/>
-                  <a:headEnd/>
-                  <a:tailEnd type="none" w="lg" len="lg"/>
-                </a:ln>
-                <a:effectLst/>
-              </p:spPr>
-              <p:txBody>
-                <a:bodyPr wrap="none" anchor="ctr"/>
-                <a:lstStyle/>
-                <a:p>
-                  <a:endParaRPr lang="en-US"/>
-                </a:p>
-              </p:txBody>
-            </p:sp>
-            <p:cxnSp>
-              <p:nvCxnSpPr>
-                <p:cNvPr id="15405" name="AutoShape 45"/>
-                <p:cNvCxnSpPr>
-                  <a:cxnSpLocks noChangeShapeType="1"/>
-                  <a:stCxn id="15404" idx="4"/>
-                </p:cNvCxnSpPr>
-                <p:nvPr/>
-              </p:nvCxnSpPr>
-              <p:spPr bwMode="auto">
-                <a:xfrm flipH="1">
-                  <a:off x="2161" y="1813"/>
-                  <a:ext cx="3" cy="267"/>
-                </a:xfrm>
-                <a:prstGeom prst="straightConnector1">
-                  <a:avLst/>
-                </a:prstGeom>
-                <a:noFill/>
-                <a:ln w="28575">
-                  <a:solidFill>
-                    <a:schemeClr val="tx1"/>
-                  </a:solidFill>
-                  <a:round/>
-                  <a:headEnd/>
-                  <a:tailEnd type="none" w="lg" len="lg"/>
-                </a:ln>
-                <a:effectLst/>
-              </p:spPr>
-            </p:cxnSp>
-            <p:sp>
-              <p:nvSpPr>
-                <p:cNvPr id="15406" name="Line 46"/>
-                <p:cNvSpPr>
-                  <a:spLocks noChangeShapeType="1"/>
-                </p:cNvSpPr>
-                <p:nvPr/>
-              </p:nvSpPr>
-              <p:spPr bwMode="auto">
-                <a:xfrm flipV="1">
-                  <a:off x="2041" y="2080"/>
-                  <a:ext cx="120" cy="206"/>
-                </a:xfrm>
-                <a:prstGeom prst="line">
-                  <a:avLst/>
-                </a:prstGeom>
-                <a:noFill/>
-                <a:ln w="28575">
-                  <a:solidFill>
-                    <a:schemeClr val="tx1"/>
-                  </a:solidFill>
-                  <a:round/>
-                  <a:headEnd/>
-                  <a:tailEnd type="none" w="lg" len="lg"/>
-                </a:ln>
-                <a:effectLst/>
-              </p:spPr>
-              <p:txBody>
-                <a:bodyPr anchor="ctr"/>
-                <a:lstStyle/>
-                <a:p>
-                  <a:endParaRPr lang="en-US"/>
-                </a:p>
-              </p:txBody>
-            </p:sp>
-            <p:sp>
-              <p:nvSpPr>
-                <p:cNvPr id="15407" name="Line 47"/>
-                <p:cNvSpPr>
-                  <a:spLocks noChangeShapeType="1"/>
-                </p:cNvSpPr>
-                <p:nvPr/>
-              </p:nvSpPr>
-              <p:spPr bwMode="auto">
-                <a:xfrm flipH="1" flipV="1">
-                  <a:off x="2161" y="2083"/>
-                  <a:ext cx="120" cy="206"/>
-                </a:xfrm>
-                <a:prstGeom prst="line">
-                  <a:avLst/>
-                </a:prstGeom>
-                <a:noFill/>
-                <a:ln w="28575">
-                  <a:solidFill>
-                    <a:schemeClr val="tx1"/>
-                  </a:solidFill>
-                  <a:round/>
-                  <a:headEnd/>
-                  <a:tailEnd type="none" w="lg" len="lg"/>
-                </a:ln>
-                <a:effectLst/>
-              </p:spPr>
-              <p:txBody>
-                <a:bodyPr anchor="ctr"/>
-                <a:lstStyle/>
-                <a:p>
-                  <a:endParaRPr lang="en-US"/>
-                </a:p>
-              </p:txBody>
-            </p:sp>
-            <p:sp>
-              <p:nvSpPr>
-                <p:cNvPr id="15408" name="Line 48"/>
-                <p:cNvSpPr>
-                  <a:spLocks noChangeShapeType="1"/>
-                </p:cNvSpPr>
-                <p:nvPr/>
-              </p:nvSpPr>
-              <p:spPr bwMode="auto">
-                <a:xfrm>
-                  <a:off x="2002" y="1877"/>
-                  <a:ext cx="318" cy="0"/>
-                </a:xfrm>
-                <a:prstGeom prst="line">
-                  <a:avLst/>
-                </a:prstGeom>
-                <a:noFill/>
-                <a:ln w="28575">
-                  <a:solidFill>
-                    <a:schemeClr val="tx1"/>
-                  </a:solidFill>
-                  <a:round/>
-                  <a:headEnd/>
-                  <a:tailEnd type="none" w="lg" len="lg"/>
-                </a:ln>
-                <a:effectLst/>
-              </p:spPr>
-              <p:txBody>
-                <a:bodyPr anchor="ctr"/>
-                <a:lstStyle/>
-                <a:p>
-                  <a:endParaRPr lang="en-US"/>
-                </a:p>
-              </p:txBody>
-            </p:sp>
-            <p:sp>
-              <p:nvSpPr>
-                <p:cNvPr id="15409" name="Rectangle 49"/>
-                <p:cNvSpPr>
-                  <a:spLocks noChangeArrowheads="1"/>
-                </p:cNvSpPr>
-                <p:nvPr/>
-              </p:nvSpPr>
-              <p:spPr bwMode="auto">
-                <a:xfrm>
-                  <a:off x="2002" y="1676"/>
-                  <a:ext cx="318" cy="613"/>
-                </a:xfrm>
-                <a:prstGeom prst="rect">
-                  <a:avLst/>
-                </a:prstGeom>
-                <a:noFill/>
-                <a:ln w="28575">
-                  <a:noFill/>
-                  <a:miter lim="800000"/>
-                  <a:headEnd/>
-                  <a:tailEnd type="none" w="lg" len="lg"/>
-                </a:ln>
-                <a:effectLst/>
-              </p:spPr>
-              <p:txBody>
-                <a:bodyPr wrap="none" anchor="ctr"/>
-                <a:lstStyle/>
-                <a:p>
-                  <a:endParaRPr lang="en-US"/>
-                </a:p>
-              </p:txBody>
-            </p:sp>
-          </p:grpSp>
-          <p:sp>
-            <p:nvSpPr>
-              <p:cNvPr id="15410" name="Text Box 50"/>
-              <p:cNvSpPr txBox="1">
-                <a:spLocks noChangeArrowheads="1"/>
-              </p:cNvSpPr>
-              <p:nvPr/>
-            </p:nvSpPr>
-            <p:spPr bwMode="auto">
-              <a:xfrm>
-                <a:off x="523" y="1633"/>
-                <a:ext cx="1584" cy="496"/>
-              </a:xfrm>
-              <a:prstGeom prst="rect">
-                <a:avLst/>
-              </a:prstGeom>
-              <a:noFill/>
-              <a:ln w="9525">
-                <a:noFill/>
-                <a:miter lim="800000"/>
-                <a:headEnd/>
-                <a:tailEnd/>
-              </a:ln>
-              <a:effectLst/>
-            </p:spPr>
-            <p:txBody>
-              <a:bodyPr wrap="none">
-                <a:spAutoFit/>
-              </a:bodyPr>
-              <a:lstStyle/>
-              <a:p>
-                <a:pPr algn="ctr"/>
-                <a:r>
-                  <a:rPr lang="en-US" b="1"/>
-                  <a:t>Administrator</a:t>
-                </a:r>
-              </a:p>
-            </p:txBody>
-          </p:sp>
-        </p:grpSp>
-        <p:grpSp>
-          <p:nvGrpSpPr>
-            <p:cNvPr id="15411" name="Group 51"/>
-            <p:cNvGrpSpPr>
-              <a:grpSpLocks/>
-            </p:cNvGrpSpPr>
-            <p:nvPr/>
-          </p:nvGrpSpPr>
-          <p:grpSpPr bwMode="auto">
-            <a:xfrm>
-              <a:off x="3967" y="960"/>
-              <a:ext cx="1094" cy="808"/>
-              <a:chOff x="767" y="960"/>
-              <a:chExt cx="1094" cy="1169"/>
-            </a:xfrm>
-          </p:grpSpPr>
-          <p:grpSp>
-            <p:nvGrpSpPr>
-              <p:cNvPr id="15412" name="Group 52"/>
-              <p:cNvGrpSpPr>
-                <a:grpSpLocks/>
-              </p:cNvGrpSpPr>
-              <p:nvPr/>
-            </p:nvGrpSpPr>
-            <p:grpSpPr bwMode="auto">
-              <a:xfrm>
-                <a:off x="1152" y="960"/>
-                <a:ext cx="318" cy="613"/>
-                <a:chOff x="2002" y="1676"/>
-                <a:chExt cx="318" cy="613"/>
-              </a:xfrm>
-            </p:grpSpPr>
-            <p:sp>
-              <p:nvSpPr>
-                <p:cNvPr id="15413" name="Oval 53"/>
-                <p:cNvSpPr>
-                  <a:spLocks noChangeArrowheads="1"/>
-                </p:cNvSpPr>
-                <p:nvPr/>
-              </p:nvSpPr>
-              <p:spPr bwMode="auto">
-                <a:xfrm>
-                  <a:off x="2100" y="1676"/>
-                  <a:ext cx="128" cy="128"/>
-                </a:xfrm>
-                <a:prstGeom prst="ellipse">
-                  <a:avLst/>
-                </a:prstGeom>
-                <a:solidFill>
-                  <a:srgbClr val="ECD10A"/>
-                </a:solidFill>
-                <a:ln w="28575">
-                  <a:solidFill>
-                    <a:schemeClr val="tx1"/>
-                  </a:solidFill>
-                  <a:round/>
-                  <a:headEnd/>
-                  <a:tailEnd type="none" w="lg" len="lg"/>
-                </a:ln>
-                <a:effectLst/>
-              </p:spPr>
-              <p:txBody>
-                <a:bodyPr wrap="none" anchor="ctr"/>
-                <a:lstStyle/>
-                <a:p>
-                  <a:endParaRPr lang="en-US"/>
-                </a:p>
-              </p:txBody>
-            </p:sp>
-            <p:cxnSp>
-              <p:nvCxnSpPr>
-                <p:cNvPr id="15414" name="AutoShape 54"/>
-                <p:cNvCxnSpPr>
-                  <a:cxnSpLocks noChangeShapeType="1"/>
-                  <a:stCxn id="15413" idx="4"/>
-                </p:cNvCxnSpPr>
-                <p:nvPr/>
-              </p:nvCxnSpPr>
-              <p:spPr bwMode="auto">
-                <a:xfrm flipH="1">
-                  <a:off x="2161" y="1813"/>
-                  <a:ext cx="3" cy="267"/>
-                </a:xfrm>
-                <a:prstGeom prst="straightConnector1">
-                  <a:avLst/>
-                </a:prstGeom>
-                <a:noFill/>
-                <a:ln w="28575">
-                  <a:solidFill>
-                    <a:schemeClr val="tx1"/>
-                  </a:solidFill>
-                  <a:round/>
-                  <a:headEnd/>
-                  <a:tailEnd type="none" w="lg" len="lg"/>
-                </a:ln>
-                <a:effectLst/>
-              </p:spPr>
-            </p:cxnSp>
-            <p:sp>
-              <p:nvSpPr>
-                <p:cNvPr id="15415" name="Line 55"/>
-                <p:cNvSpPr>
-                  <a:spLocks noChangeShapeType="1"/>
-                </p:cNvSpPr>
-                <p:nvPr/>
-              </p:nvSpPr>
-              <p:spPr bwMode="auto">
-                <a:xfrm flipV="1">
-                  <a:off x="2041" y="2080"/>
-                  <a:ext cx="120" cy="206"/>
-                </a:xfrm>
-                <a:prstGeom prst="line">
-                  <a:avLst/>
-                </a:prstGeom>
-                <a:noFill/>
-                <a:ln w="28575">
-                  <a:solidFill>
-                    <a:schemeClr val="tx1"/>
-                  </a:solidFill>
-                  <a:round/>
-                  <a:headEnd/>
-                  <a:tailEnd type="none" w="lg" len="lg"/>
-                </a:ln>
-                <a:effectLst/>
-              </p:spPr>
-              <p:txBody>
-                <a:bodyPr anchor="ctr"/>
-                <a:lstStyle/>
-                <a:p>
-                  <a:endParaRPr lang="en-US"/>
-                </a:p>
-              </p:txBody>
-            </p:sp>
-            <p:sp>
-              <p:nvSpPr>
-                <p:cNvPr id="15416" name="Line 56"/>
-                <p:cNvSpPr>
-                  <a:spLocks noChangeShapeType="1"/>
-                </p:cNvSpPr>
-                <p:nvPr/>
-              </p:nvSpPr>
-              <p:spPr bwMode="auto">
-                <a:xfrm flipH="1" flipV="1">
-                  <a:off x="2161" y="2083"/>
-                  <a:ext cx="120" cy="206"/>
-                </a:xfrm>
-                <a:prstGeom prst="line">
-                  <a:avLst/>
-                </a:prstGeom>
-                <a:noFill/>
-                <a:ln w="28575">
-                  <a:solidFill>
-                    <a:schemeClr val="tx1"/>
-                  </a:solidFill>
-                  <a:round/>
-                  <a:headEnd/>
-                  <a:tailEnd type="none" w="lg" len="lg"/>
-                </a:ln>
-                <a:effectLst/>
-              </p:spPr>
-              <p:txBody>
-                <a:bodyPr anchor="ctr"/>
-                <a:lstStyle/>
-                <a:p>
-                  <a:endParaRPr lang="en-US"/>
-                </a:p>
-              </p:txBody>
-            </p:sp>
-            <p:sp>
-              <p:nvSpPr>
-                <p:cNvPr id="15417" name="Line 57"/>
-                <p:cNvSpPr>
-                  <a:spLocks noChangeShapeType="1"/>
-                </p:cNvSpPr>
-                <p:nvPr/>
-              </p:nvSpPr>
-              <p:spPr bwMode="auto">
-                <a:xfrm>
-                  <a:off x="2002" y="1877"/>
-                  <a:ext cx="318" cy="0"/>
-                </a:xfrm>
-                <a:prstGeom prst="line">
-                  <a:avLst/>
-                </a:prstGeom>
-                <a:noFill/>
-                <a:ln w="28575">
-                  <a:solidFill>
-                    <a:schemeClr val="tx1"/>
-                  </a:solidFill>
-                  <a:round/>
-                  <a:headEnd/>
-                  <a:tailEnd type="none" w="lg" len="lg"/>
-                </a:ln>
-                <a:effectLst/>
-              </p:spPr>
-              <p:txBody>
-                <a:bodyPr anchor="ctr"/>
-                <a:lstStyle/>
-                <a:p>
-                  <a:endParaRPr lang="en-US"/>
-                </a:p>
-              </p:txBody>
-            </p:sp>
-            <p:sp>
-              <p:nvSpPr>
-                <p:cNvPr id="15418" name="Rectangle 58"/>
-                <p:cNvSpPr>
-                  <a:spLocks noChangeArrowheads="1"/>
-                </p:cNvSpPr>
-                <p:nvPr/>
-              </p:nvSpPr>
-              <p:spPr bwMode="auto">
-                <a:xfrm>
-                  <a:off x="2002" y="1676"/>
-                  <a:ext cx="318" cy="613"/>
-                </a:xfrm>
-                <a:prstGeom prst="rect">
-                  <a:avLst/>
-                </a:prstGeom>
-                <a:noFill/>
-                <a:ln w="28575">
-                  <a:noFill/>
-                  <a:miter lim="800000"/>
-                  <a:headEnd/>
-                  <a:tailEnd type="none" w="lg" len="lg"/>
-                </a:ln>
-                <a:effectLst/>
-              </p:spPr>
-              <p:txBody>
-                <a:bodyPr wrap="none" anchor="ctr"/>
-                <a:lstStyle/>
-                <a:p>
-                  <a:endParaRPr lang="en-US"/>
-                </a:p>
-              </p:txBody>
-            </p:sp>
-          </p:grpSp>
-          <p:sp>
-            <p:nvSpPr>
-              <p:cNvPr id="15419" name="Text Box 59"/>
-              <p:cNvSpPr txBox="1">
-                <a:spLocks noChangeArrowheads="1"/>
-              </p:cNvSpPr>
-              <p:nvPr/>
-            </p:nvSpPr>
-            <p:spPr bwMode="auto">
-              <a:xfrm>
-                <a:off x="767" y="1633"/>
-                <a:ext cx="1094" cy="496"/>
-              </a:xfrm>
-              <a:prstGeom prst="rect">
-                <a:avLst/>
-              </a:prstGeom>
-              <a:noFill/>
-              <a:ln w="9525">
-                <a:noFill/>
-                <a:miter lim="800000"/>
-                <a:headEnd/>
-                <a:tailEnd/>
-              </a:ln>
-              <a:effectLst/>
-            </p:spPr>
-            <p:txBody>
-              <a:bodyPr wrap="none">
-                <a:spAutoFit/>
-              </a:bodyPr>
-              <a:lstStyle/>
-              <a:p>
-                <a:pPr algn="ctr"/>
-                <a:r>
-                  <a:rPr lang="en-US" b="1"/>
-                  <a:t>Engineer</a:t>
-                </a:r>
-              </a:p>
-            </p:txBody>
-          </p:sp>
-        </p:grpSp>
-        <p:grpSp>
-          <p:nvGrpSpPr>
-            <p:cNvPr id="15420" name="Group 60"/>
-            <p:cNvGrpSpPr>
-              <a:grpSpLocks/>
-            </p:cNvGrpSpPr>
-            <p:nvPr/>
-          </p:nvGrpSpPr>
-          <p:grpSpPr bwMode="auto">
-            <a:xfrm>
-              <a:off x="4225" y="2976"/>
-              <a:ext cx="1058" cy="808"/>
-              <a:chOff x="785" y="960"/>
-              <a:chExt cx="1058" cy="1169"/>
-            </a:xfrm>
-          </p:grpSpPr>
-          <p:grpSp>
-            <p:nvGrpSpPr>
-              <p:cNvPr id="15421" name="Group 61"/>
-              <p:cNvGrpSpPr>
-                <a:grpSpLocks/>
-              </p:cNvGrpSpPr>
-              <p:nvPr/>
-            </p:nvGrpSpPr>
-            <p:grpSpPr bwMode="auto">
-              <a:xfrm>
-                <a:off x="1152" y="960"/>
-                <a:ext cx="318" cy="613"/>
-                <a:chOff x="2002" y="1676"/>
-                <a:chExt cx="318" cy="613"/>
-              </a:xfrm>
-            </p:grpSpPr>
-            <p:sp>
-              <p:nvSpPr>
-                <p:cNvPr id="15422" name="Oval 62"/>
-                <p:cNvSpPr>
-                  <a:spLocks noChangeArrowheads="1"/>
-                </p:cNvSpPr>
-                <p:nvPr/>
-              </p:nvSpPr>
-              <p:spPr bwMode="auto">
-                <a:xfrm>
-                  <a:off x="2100" y="1676"/>
-                  <a:ext cx="128" cy="128"/>
-                </a:xfrm>
-                <a:prstGeom prst="ellipse">
-                  <a:avLst/>
-                </a:prstGeom>
-                <a:solidFill>
-                  <a:srgbClr val="ECD10A"/>
-                </a:solidFill>
-                <a:ln w="28575">
-                  <a:solidFill>
-                    <a:schemeClr val="tx1"/>
-                  </a:solidFill>
-                  <a:round/>
-                  <a:headEnd/>
-                  <a:tailEnd type="none" w="lg" len="lg"/>
-                </a:ln>
-                <a:effectLst/>
-              </p:spPr>
-              <p:txBody>
-                <a:bodyPr wrap="none" anchor="ctr"/>
-                <a:lstStyle/>
-                <a:p>
-                  <a:endParaRPr lang="en-US"/>
-                </a:p>
-              </p:txBody>
-            </p:sp>
-            <p:cxnSp>
-              <p:nvCxnSpPr>
-                <p:cNvPr id="15423" name="AutoShape 63"/>
-                <p:cNvCxnSpPr>
-                  <a:cxnSpLocks noChangeShapeType="1"/>
-                  <a:stCxn id="15422" idx="4"/>
-                </p:cNvCxnSpPr>
-                <p:nvPr/>
-              </p:nvCxnSpPr>
-              <p:spPr bwMode="auto">
-                <a:xfrm flipH="1">
-                  <a:off x="2161" y="1813"/>
-                  <a:ext cx="3" cy="267"/>
-                </a:xfrm>
-                <a:prstGeom prst="straightConnector1">
-                  <a:avLst/>
-                </a:prstGeom>
-                <a:noFill/>
-                <a:ln w="28575">
-                  <a:solidFill>
-                    <a:schemeClr val="tx1"/>
-                  </a:solidFill>
-                  <a:round/>
-                  <a:headEnd/>
-                  <a:tailEnd type="none" w="lg" len="lg"/>
-                </a:ln>
-                <a:effectLst/>
-              </p:spPr>
-            </p:cxnSp>
-            <p:sp>
-              <p:nvSpPr>
-                <p:cNvPr id="15424" name="Line 64"/>
-                <p:cNvSpPr>
-                  <a:spLocks noChangeShapeType="1"/>
-                </p:cNvSpPr>
-                <p:nvPr/>
-              </p:nvSpPr>
-              <p:spPr bwMode="auto">
-                <a:xfrm flipV="1">
-                  <a:off x="2041" y="2080"/>
-                  <a:ext cx="120" cy="206"/>
-                </a:xfrm>
-                <a:prstGeom prst="line">
-                  <a:avLst/>
-                </a:prstGeom>
-                <a:noFill/>
-                <a:ln w="28575">
-                  <a:solidFill>
-                    <a:schemeClr val="tx1"/>
-                  </a:solidFill>
-                  <a:round/>
-                  <a:headEnd/>
-                  <a:tailEnd type="none" w="lg" len="lg"/>
-                </a:ln>
-                <a:effectLst/>
-              </p:spPr>
-              <p:txBody>
-                <a:bodyPr anchor="ctr"/>
-                <a:lstStyle/>
-                <a:p>
-                  <a:endParaRPr lang="en-US"/>
-                </a:p>
-              </p:txBody>
-            </p:sp>
-            <p:sp>
-              <p:nvSpPr>
-                <p:cNvPr id="15425" name="Line 65"/>
-                <p:cNvSpPr>
-                  <a:spLocks noChangeShapeType="1"/>
-                </p:cNvSpPr>
-                <p:nvPr/>
-              </p:nvSpPr>
-              <p:spPr bwMode="auto">
-                <a:xfrm flipH="1" flipV="1">
-                  <a:off x="2161" y="2083"/>
-                  <a:ext cx="120" cy="206"/>
-                </a:xfrm>
-                <a:prstGeom prst="line">
-                  <a:avLst/>
-                </a:prstGeom>
-                <a:noFill/>
-                <a:ln w="28575">
-                  <a:solidFill>
-                    <a:schemeClr val="tx1"/>
-                  </a:solidFill>
-                  <a:round/>
-                  <a:headEnd/>
-                  <a:tailEnd type="none" w="lg" len="lg"/>
-                </a:ln>
-                <a:effectLst/>
-              </p:spPr>
-              <p:txBody>
-                <a:bodyPr anchor="ctr"/>
-                <a:lstStyle/>
-                <a:p>
-                  <a:endParaRPr lang="en-US"/>
-                </a:p>
-              </p:txBody>
-            </p:sp>
-            <p:sp>
-              <p:nvSpPr>
-                <p:cNvPr id="15426" name="Line 66"/>
-                <p:cNvSpPr>
-                  <a:spLocks noChangeShapeType="1"/>
-                </p:cNvSpPr>
-                <p:nvPr/>
-              </p:nvSpPr>
-              <p:spPr bwMode="auto">
-                <a:xfrm>
-                  <a:off x="2002" y="1877"/>
-                  <a:ext cx="318" cy="0"/>
-                </a:xfrm>
-                <a:prstGeom prst="line">
-                  <a:avLst/>
-                </a:prstGeom>
-                <a:noFill/>
-                <a:ln w="28575">
-                  <a:solidFill>
-                    <a:schemeClr val="tx1"/>
-                  </a:solidFill>
-                  <a:round/>
-                  <a:headEnd/>
-                  <a:tailEnd type="none" w="lg" len="lg"/>
-                </a:ln>
-                <a:effectLst/>
-              </p:spPr>
-              <p:txBody>
-                <a:bodyPr anchor="ctr"/>
-                <a:lstStyle/>
-                <a:p>
-                  <a:endParaRPr lang="en-US"/>
-                </a:p>
-              </p:txBody>
-            </p:sp>
-            <p:sp>
-              <p:nvSpPr>
-                <p:cNvPr id="15427" name="Rectangle 67"/>
-                <p:cNvSpPr>
-                  <a:spLocks noChangeArrowheads="1"/>
-                </p:cNvSpPr>
-                <p:nvPr/>
-              </p:nvSpPr>
-              <p:spPr bwMode="auto">
-                <a:xfrm>
-                  <a:off x="2002" y="1676"/>
-                  <a:ext cx="318" cy="613"/>
-                </a:xfrm>
-                <a:prstGeom prst="rect">
-                  <a:avLst/>
-                </a:prstGeom>
-                <a:noFill/>
-                <a:ln w="28575">
-                  <a:noFill/>
-                  <a:miter lim="800000"/>
-                  <a:headEnd/>
-                  <a:tailEnd type="none" w="lg" len="lg"/>
-                </a:ln>
-                <a:effectLst/>
-              </p:spPr>
-              <p:txBody>
-                <a:bodyPr wrap="none" anchor="ctr"/>
-                <a:lstStyle/>
-                <a:p>
-                  <a:endParaRPr lang="en-US"/>
-                </a:p>
-              </p:txBody>
-            </p:sp>
-          </p:grpSp>
-          <p:sp>
-            <p:nvSpPr>
-              <p:cNvPr id="15428" name="Text Box 68"/>
-              <p:cNvSpPr txBox="1">
-                <a:spLocks noChangeArrowheads="1"/>
-              </p:cNvSpPr>
-              <p:nvPr/>
-            </p:nvSpPr>
-            <p:spPr bwMode="auto">
-              <a:xfrm>
-                <a:off x="785" y="1633"/>
-                <a:ext cx="1058" cy="496"/>
-              </a:xfrm>
-              <a:prstGeom prst="rect">
-                <a:avLst/>
-              </a:prstGeom>
-              <a:noFill/>
-              <a:ln w="9525">
-                <a:noFill/>
-                <a:miter lim="800000"/>
-                <a:headEnd/>
-                <a:tailEnd/>
-              </a:ln>
-              <a:effectLst/>
-            </p:spPr>
-            <p:txBody>
-              <a:bodyPr wrap="none">
-                <a:spAutoFit/>
-              </a:bodyPr>
-              <a:lstStyle/>
-              <a:p>
-                <a:pPr algn="ctr"/>
-                <a:r>
-                  <a:rPr lang="en-US" b="1"/>
-                  <a:t>Manager</a:t>
-                </a:r>
-              </a:p>
-            </p:txBody>
-          </p:sp>
-        </p:grpSp>
-        <p:grpSp>
-          <p:nvGrpSpPr>
-            <p:cNvPr id="15429" name="Group 69"/>
-            <p:cNvGrpSpPr>
-              <a:grpSpLocks/>
-            </p:cNvGrpSpPr>
-            <p:nvPr/>
-          </p:nvGrpSpPr>
-          <p:grpSpPr bwMode="auto">
-            <a:xfrm>
-              <a:off x="2942" y="2352"/>
-              <a:ext cx="1320" cy="808"/>
-              <a:chOff x="654" y="960"/>
-              <a:chExt cx="1320" cy="1170"/>
-            </a:xfrm>
-          </p:grpSpPr>
-          <p:grpSp>
-            <p:nvGrpSpPr>
-              <p:cNvPr id="15430" name="Group 70"/>
-              <p:cNvGrpSpPr>
-                <a:grpSpLocks/>
-              </p:cNvGrpSpPr>
-              <p:nvPr/>
-            </p:nvGrpSpPr>
-            <p:grpSpPr bwMode="auto">
-              <a:xfrm>
-                <a:off x="1152" y="960"/>
-                <a:ext cx="318" cy="613"/>
-                <a:chOff x="2002" y="1676"/>
-                <a:chExt cx="318" cy="613"/>
-              </a:xfrm>
-            </p:grpSpPr>
-            <p:sp>
-              <p:nvSpPr>
-                <p:cNvPr id="15431" name="Oval 71"/>
-                <p:cNvSpPr>
-                  <a:spLocks noChangeArrowheads="1"/>
-                </p:cNvSpPr>
-                <p:nvPr/>
-              </p:nvSpPr>
-              <p:spPr bwMode="auto">
-                <a:xfrm>
-                  <a:off x="2100" y="1676"/>
-                  <a:ext cx="128" cy="128"/>
-                </a:xfrm>
-                <a:prstGeom prst="ellipse">
-                  <a:avLst/>
-                </a:prstGeom>
-                <a:solidFill>
-                  <a:srgbClr val="ECD10A"/>
-                </a:solidFill>
-                <a:ln w="28575">
-                  <a:solidFill>
-                    <a:schemeClr val="tx1"/>
-                  </a:solidFill>
-                  <a:round/>
-                  <a:headEnd/>
-                  <a:tailEnd type="none" w="lg" len="lg"/>
-                </a:ln>
-                <a:effectLst/>
-              </p:spPr>
-              <p:txBody>
-                <a:bodyPr wrap="none" anchor="ctr"/>
-                <a:lstStyle/>
-                <a:p>
-                  <a:endParaRPr lang="en-US"/>
-                </a:p>
-              </p:txBody>
-            </p:sp>
-            <p:cxnSp>
-              <p:nvCxnSpPr>
-                <p:cNvPr id="15432" name="AutoShape 72"/>
-                <p:cNvCxnSpPr>
-                  <a:cxnSpLocks noChangeShapeType="1"/>
-                  <a:stCxn id="15431" idx="4"/>
-                </p:cNvCxnSpPr>
-                <p:nvPr/>
-              </p:nvCxnSpPr>
-              <p:spPr bwMode="auto">
-                <a:xfrm flipH="1">
-                  <a:off x="2161" y="1813"/>
-                  <a:ext cx="3" cy="267"/>
-                </a:xfrm>
-                <a:prstGeom prst="straightConnector1">
-                  <a:avLst/>
-                </a:prstGeom>
-                <a:noFill/>
-                <a:ln w="28575">
-                  <a:solidFill>
-                    <a:schemeClr val="tx1"/>
-                  </a:solidFill>
-                  <a:round/>
-                  <a:headEnd/>
-                  <a:tailEnd type="none" w="lg" len="lg"/>
-                </a:ln>
-                <a:effectLst/>
-              </p:spPr>
-            </p:cxnSp>
-            <p:sp>
-              <p:nvSpPr>
-                <p:cNvPr id="15433" name="Line 73"/>
-                <p:cNvSpPr>
-                  <a:spLocks noChangeShapeType="1"/>
-                </p:cNvSpPr>
-                <p:nvPr/>
-              </p:nvSpPr>
-              <p:spPr bwMode="auto">
-                <a:xfrm flipV="1">
-                  <a:off x="2041" y="2080"/>
-                  <a:ext cx="120" cy="206"/>
-                </a:xfrm>
-                <a:prstGeom prst="line">
-                  <a:avLst/>
-                </a:prstGeom>
-                <a:noFill/>
-                <a:ln w="28575">
-                  <a:solidFill>
-                    <a:schemeClr val="tx1"/>
-                  </a:solidFill>
-                  <a:round/>
-                  <a:headEnd/>
-                  <a:tailEnd type="none" w="lg" len="lg"/>
-                </a:ln>
-                <a:effectLst/>
-              </p:spPr>
-              <p:txBody>
-                <a:bodyPr anchor="ctr"/>
-                <a:lstStyle/>
-                <a:p>
-                  <a:endParaRPr lang="en-US"/>
-                </a:p>
-              </p:txBody>
-            </p:sp>
-            <p:sp>
-              <p:nvSpPr>
-                <p:cNvPr id="15434" name="Line 74"/>
-                <p:cNvSpPr>
-                  <a:spLocks noChangeShapeType="1"/>
-                </p:cNvSpPr>
-                <p:nvPr/>
-              </p:nvSpPr>
-              <p:spPr bwMode="auto">
-                <a:xfrm flipH="1" flipV="1">
-                  <a:off x="2161" y="2083"/>
-                  <a:ext cx="120" cy="206"/>
-                </a:xfrm>
-                <a:prstGeom prst="line">
-                  <a:avLst/>
-                </a:prstGeom>
-                <a:noFill/>
-                <a:ln w="28575">
-                  <a:solidFill>
-                    <a:schemeClr val="tx1"/>
-                  </a:solidFill>
-                  <a:round/>
-                  <a:headEnd/>
-                  <a:tailEnd type="none" w="lg" len="lg"/>
-                </a:ln>
-                <a:effectLst/>
-              </p:spPr>
-              <p:txBody>
-                <a:bodyPr anchor="ctr"/>
-                <a:lstStyle/>
-                <a:p>
-                  <a:endParaRPr lang="en-US"/>
-                </a:p>
-              </p:txBody>
-            </p:sp>
-            <p:sp>
-              <p:nvSpPr>
-                <p:cNvPr id="15435" name="Line 75"/>
-                <p:cNvSpPr>
-                  <a:spLocks noChangeShapeType="1"/>
-                </p:cNvSpPr>
-                <p:nvPr/>
-              </p:nvSpPr>
-              <p:spPr bwMode="auto">
-                <a:xfrm>
-                  <a:off x="2002" y="1877"/>
-                  <a:ext cx="318" cy="0"/>
-                </a:xfrm>
-                <a:prstGeom prst="line">
-                  <a:avLst/>
-                </a:prstGeom>
-                <a:noFill/>
-                <a:ln w="28575">
-                  <a:solidFill>
-                    <a:schemeClr val="tx1"/>
-                  </a:solidFill>
-                  <a:round/>
-                  <a:headEnd/>
-                  <a:tailEnd type="none" w="lg" len="lg"/>
-                </a:ln>
-                <a:effectLst/>
-              </p:spPr>
-              <p:txBody>
-                <a:bodyPr anchor="ctr"/>
-                <a:lstStyle/>
-                <a:p>
-                  <a:endParaRPr lang="en-US"/>
-                </a:p>
-              </p:txBody>
-            </p:sp>
-            <p:sp>
-              <p:nvSpPr>
-                <p:cNvPr id="15436" name="Rectangle 76"/>
-                <p:cNvSpPr>
-                  <a:spLocks noChangeArrowheads="1"/>
-                </p:cNvSpPr>
-                <p:nvPr/>
-              </p:nvSpPr>
-              <p:spPr bwMode="auto">
-                <a:xfrm>
-                  <a:off x="2002" y="1676"/>
-                  <a:ext cx="318" cy="613"/>
-                </a:xfrm>
-                <a:prstGeom prst="rect">
-                  <a:avLst/>
-                </a:prstGeom>
-                <a:noFill/>
-                <a:ln w="28575">
-                  <a:noFill/>
-                  <a:miter lim="800000"/>
-                  <a:headEnd/>
-                  <a:tailEnd type="none" w="lg" len="lg"/>
-                </a:ln>
-                <a:effectLst/>
-              </p:spPr>
-              <p:txBody>
-                <a:bodyPr wrap="none" anchor="ctr"/>
-                <a:lstStyle/>
-                <a:p>
-                  <a:endParaRPr lang="en-US"/>
-                </a:p>
-              </p:txBody>
-            </p:sp>
-          </p:grpSp>
-          <p:sp>
-            <p:nvSpPr>
-              <p:cNvPr id="15437" name="Text Box 77"/>
-              <p:cNvSpPr txBox="1">
-                <a:spLocks noChangeArrowheads="1"/>
-              </p:cNvSpPr>
-              <p:nvPr/>
-            </p:nvSpPr>
-            <p:spPr bwMode="auto">
-              <a:xfrm>
-                <a:off x="654" y="1632"/>
-                <a:ext cx="1320" cy="498"/>
-              </a:xfrm>
-              <a:prstGeom prst="rect">
-                <a:avLst/>
-              </a:prstGeom>
-              <a:noFill/>
-              <a:ln w="9525">
-                <a:noFill/>
-                <a:miter lim="800000"/>
-                <a:headEnd/>
-                <a:tailEnd/>
-              </a:ln>
-              <a:effectLst/>
-            </p:spPr>
-            <p:txBody>
-              <a:bodyPr wrap="none">
-                <a:spAutoFit/>
-              </a:bodyPr>
-              <a:lstStyle/>
-              <a:p>
-                <a:pPr algn="ctr"/>
-                <a:r>
-                  <a:rPr lang="en-US" b="1"/>
-                  <a:t>AdminUser</a:t>
-                </a:r>
-              </a:p>
-            </p:txBody>
-          </p:sp>
-        </p:grpSp>
-        <p:sp>
-          <p:nvSpPr>
-            <p:cNvPr id="15438" name="Line 78"/>
-            <p:cNvSpPr>
-              <a:spLocks noChangeShapeType="1"/>
-            </p:cNvSpPr>
-            <p:nvPr/>
-          </p:nvSpPr>
-          <p:spPr bwMode="auto">
-            <a:xfrm flipH="1">
-              <a:off x="1488" y="2112"/>
-              <a:ext cx="528" cy="0"/>
-            </a:xfrm>
-            <a:prstGeom prst="line">
-              <a:avLst/>
-            </a:prstGeom>
-            <a:noFill/>
-            <a:ln w="28575">
-              <a:solidFill>
-                <a:schemeClr val="tx1"/>
-              </a:solidFill>
-              <a:round/>
-              <a:headEnd/>
-              <a:tailEnd type="triangle" w="med" len="med"/>
-            </a:ln>
-            <a:effectLst/>
-          </p:spPr>
-          <p:txBody>
-            <a:bodyPr/>
-            <a:lstStyle/>
-            <a:p>
-              <a:endParaRPr lang="en-US"/>
-            </a:p>
-          </p:txBody>
-        </p:sp>
-        <p:sp>
-          <p:nvSpPr>
-            <p:cNvPr id="15439" name="Line 79"/>
-            <p:cNvSpPr>
-              <a:spLocks noChangeShapeType="1"/>
-            </p:cNvSpPr>
-            <p:nvPr/>
-          </p:nvSpPr>
-          <p:spPr bwMode="auto">
-            <a:xfrm flipH="1">
-              <a:off x="2016" y="1920"/>
-              <a:ext cx="240" cy="192"/>
-            </a:xfrm>
-            <a:prstGeom prst="line">
-              <a:avLst/>
-            </a:prstGeom>
-            <a:noFill/>
-            <a:ln w="28575">
-              <a:solidFill>
-                <a:schemeClr val="tx1"/>
-              </a:solidFill>
-              <a:round/>
-              <a:headEnd/>
-              <a:tailEnd/>
-            </a:ln>
-            <a:effectLst/>
-          </p:spPr>
-          <p:txBody>
-            <a:bodyPr/>
-            <a:lstStyle/>
-            <a:p>
-              <a:endParaRPr lang="en-US"/>
-            </a:p>
-          </p:txBody>
-        </p:sp>
-        <p:sp>
-          <p:nvSpPr>
-            <p:cNvPr id="15440" name="Line 80"/>
-            <p:cNvSpPr>
-              <a:spLocks noChangeShapeType="1"/>
-            </p:cNvSpPr>
-            <p:nvPr/>
-          </p:nvSpPr>
-          <p:spPr bwMode="auto">
-            <a:xfrm>
-              <a:off x="2016" y="2112"/>
-              <a:ext cx="240" cy="240"/>
-            </a:xfrm>
-            <a:prstGeom prst="line">
-              <a:avLst/>
-            </a:prstGeom>
-            <a:noFill/>
-            <a:ln w="28575">
-              <a:solidFill>
-                <a:schemeClr val="tx1"/>
-              </a:solidFill>
-              <a:round/>
-              <a:headEnd/>
-              <a:tailEnd/>
-            </a:ln>
-            <a:effectLst/>
-          </p:spPr>
-          <p:txBody>
-            <a:bodyPr/>
-            <a:lstStyle/>
-            <a:p>
-              <a:endParaRPr lang="en-US"/>
-            </a:p>
-          </p:txBody>
-        </p:sp>
-        <p:sp>
-          <p:nvSpPr>
-            <p:cNvPr id="15441" name="Line 81"/>
-            <p:cNvSpPr>
-              <a:spLocks noChangeShapeType="1"/>
-            </p:cNvSpPr>
-            <p:nvPr/>
-          </p:nvSpPr>
-          <p:spPr bwMode="auto">
-            <a:xfrm flipH="1">
-              <a:off x="3072" y="1248"/>
-              <a:ext cx="1200" cy="912"/>
-            </a:xfrm>
-            <a:prstGeom prst="line">
-              <a:avLst/>
-            </a:prstGeom>
-            <a:noFill/>
-            <a:ln w="28575">
-              <a:solidFill>
-                <a:schemeClr val="tx1"/>
-              </a:solidFill>
-              <a:round/>
-              <a:headEnd/>
-              <a:tailEnd/>
-            </a:ln>
-            <a:effectLst/>
-          </p:spPr>
-          <p:txBody>
-            <a:bodyPr/>
-            <a:lstStyle/>
-            <a:p>
-              <a:endParaRPr lang="en-US"/>
-            </a:p>
-          </p:txBody>
-        </p:sp>
-        <p:sp>
-          <p:nvSpPr>
-            <p:cNvPr id="15442" name="Line 82"/>
-            <p:cNvSpPr>
-              <a:spLocks noChangeShapeType="1"/>
-            </p:cNvSpPr>
-            <p:nvPr/>
-          </p:nvSpPr>
-          <p:spPr bwMode="auto">
-            <a:xfrm>
-              <a:off x="3072" y="2160"/>
-              <a:ext cx="240" cy="240"/>
-            </a:xfrm>
-            <a:prstGeom prst="line">
-              <a:avLst/>
-            </a:prstGeom>
-            <a:noFill/>
-            <a:ln w="28575">
-              <a:solidFill>
-                <a:schemeClr val="tx1"/>
-              </a:solidFill>
-              <a:round/>
-              <a:headEnd/>
-              <a:tailEnd/>
-            </a:ln>
-            <a:effectLst/>
-          </p:spPr>
-          <p:txBody>
-            <a:bodyPr/>
-            <a:lstStyle/>
-            <a:p>
-              <a:endParaRPr lang="en-US"/>
-            </a:p>
-          </p:txBody>
-        </p:sp>
-        <p:sp>
-          <p:nvSpPr>
-            <p:cNvPr id="15444" name="Line 84"/>
-            <p:cNvSpPr>
-              <a:spLocks noChangeShapeType="1"/>
-            </p:cNvSpPr>
-            <p:nvPr/>
-          </p:nvSpPr>
-          <p:spPr bwMode="auto">
-            <a:xfrm flipH="1">
-              <a:off x="2784" y="2160"/>
-              <a:ext cx="288" cy="0"/>
-            </a:xfrm>
-            <a:prstGeom prst="line">
-              <a:avLst/>
-            </a:prstGeom>
-            <a:noFill/>
-            <a:ln w="28575">
-              <a:solidFill>
-                <a:schemeClr val="tx1"/>
-              </a:solidFill>
-              <a:round/>
-              <a:headEnd/>
-              <a:tailEnd type="triangle" w="med" len="med"/>
-            </a:ln>
-            <a:effectLst/>
-          </p:spPr>
-          <p:txBody>
-            <a:bodyPr/>
-            <a:lstStyle/>
-            <a:p>
-              <a:endParaRPr lang="en-US"/>
-            </a:p>
-          </p:txBody>
-        </p:sp>
-        <p:sp>
-          <p:nvSpPr>
-            <p:cNvPr id="15445" name="Line 85"/>
-            <p:cNvSpPr>
-              <a:spLocks noChangeShapeType="1"/>
-            </p:cNvSpPr>
-            <p:nvPr/>
-          </p:nvSpPr>
-          <p:spPr bwMode="auto">
-            <a:xfrm flipH="1">
-              <a:off x="3792" y="2640"/>
-              <a:ext cx="288" cy="0"/>
-            </a:xfrm>
-            <a:prstGeom prst="line">
-              <a:avLst/>
-            </a:prstGeom>
-            <a:noFill/>
-            <a:ln w="28575">
-              <a:solidFill>
-                <a:schemeClr val="tx1"/>
-              </a:solidFill>
-              <a:round/>
-              <a:headEnd/>
-              <a:tailEnd type="triangle" w="med" len="med"/>
-            </a:ln>
-            <a:effectLst/>
-          </p:spPr>
-          <p:txBody>
-            <a:bodyPr/>
-            <a:lstStyle/>
-            <a:p>
-              <a:endParaRPr lang="en-US"/>
-            </a:p>
-          </p:txBody>
-        </p:sp>
-        <p:sp>
-          <p:nvSpPr>
-            <p:cNvPr id="15446" name="Line 86"/>
-            <p:cNvSpPr>
-              <a:spLocks noChangeShapeType="1"/>
-            </p:cNvSpPr>
-            <p:nvPr/>
-          </p:nvSpPr>
-          <p:spPr bwMode="auto">
-            <a:xfrm flipH="1">
-              <a:off x="4080" y="2448"/>
-              <a:ext cx="240" cy="192"/>
-            </a:xfrm>
-            <a:prstGeom prst="line">
-              <a:avLst/>
-            </a:prstGeom>
-            <a:noFill/>
-            <a:ln w="28575">
-              <a:solidFill>
-                <a:schemeClr val="tx1"/>
-              </a:solidFill>
-              <a:round/>
-              <a:headEnd/>
-              <a:tailEnd/>
-            </a:ln>
-            <a:effectLst/>
-          </p:spPr>
-          <p:txBody>
-            <a:bodyPr/>
-            <a:lstStyle/>
-            <a:p>
-              <a:endParaRPr lang="en-US"/>
-            </a:p>
-          </p:txBody>
-        </p:sp>
-        <p:sp>
-          <p:nvSpPr>
-            <p:cNvPr id="15447" name="Line 87"/>
-            <p:cNvSpPr>
-              <a:spLocks noChangeShapeType="1"/>
-            </p:cNvSpPr>
-            <p:nvPr/>
-          </p:nvSpPr>
-          <p:spPr bwMode="auto">
-            <a:xfrm>
-              <a:off x="4080" y="2640"/>
-              <a:ext cx="240" cy="240"/>
-            </a:xfrm>
-            <a:prstGeom prst="line">
-              <a:avLst/>
-            </a:prstGeom>
-            <a:noFill/>
-            <a:ln w="28575">
-              <a:solidFill>
-                <a:schemeClr val="tx1"/>
-              </a:solidFill>
-              <a:round/>
-              <a:headEnd/>
-              <a:tailEnd/>
-            </a:ln>
-            <a:effectLst/>
-          </p:spPr>
-          <p:txBody>
-            <a:bodyPr/>
-            <a:lstStyle/>
-            <a:p>
-              <a:endParaRPr lang="en-US"/>
-            </a:p>
-          </p:txBody>
-        </p:sp>
-      </p:grpSp>
     </p:spTree>
   </p:cSld>
   <p:clrMapOvr>
